--- a/ppt/angular/Angular01-Intro.pptx
+++ b/ppt/angular/Angular01-Intro.pptx
@@ -5,29 +5,28 @@
     <p:sldMasterId id="2147483653" r:id="rId1"/>
   </p:sldMasterIdLst>
   <p:notesMasterIdLst>
-    <p:notesMasterId r:id="rId19"/>
+    <p:notesMasterId r:id="rId18"/>
   </p:notesMasterIdLst>
   <p:handoutMasterIdLst>
-    <p:handoutMasterId r:id="rId20"/>
+    <p:handoutMasterId r:id="rId19"/>
   </p:handoutMasterIdLst>
   <p:sldIdLst>
     <p:sldId id="264" r:id="rId2"/>
     <p:sldId id="266" r:id="rId3"/>
     <p:sldId id="306" r:id="rId4"/>
     <p:sldId id="267" r:id="rId5"/>
-    <p:sldId id="295" r:id="rId6"/>
-    <p:sldId id="300" r:id="rId7"/>
-    <p:sldId id="305" r:id="rId8"/>
-    <p:sldId id="304" r:id="rId9"/>
-    <p:sldId id="270" r:id="rId10"/>
-    <p:sldId id="271" r:id="rId11"/>
-    <p:sldId id="276" r:id="rId12"/>
-    <p:sldId id="307" r:id="rId13"/>
-    <p:sldId id="308" r:id="rId14"/>
-    <p:sldId id="309" r:id="rId15"/>
-    <p:sldId id="310" r:id="rId16"/>
-    <p:sldId id="311" r:id="rId17"/>
-    <p:sldId id="313" r:id="rId18"/>
+    <p:sldId id="300" r:id="rId6"/>
+    <p:sldId id="305" r:id="rId7"/>
+    <p:sldId id="270" r:id="rId8"/>
+    <p:sldId id="271" r:id="rId9"/>
+    <p:sldId id="276" r:id="rId10"/>
+    <p:sldId id="307" r:id="rId11"/>
+    <p:sldId id="308" r:id="rId12"/>
+    <p:sldId id="309" r:id="rId13"/>
+    <p:sldId id="310" r:id="rId14"/>
+    <p:sldId id="311" r:id="rId15"/>
+    <p:sldId id="313" r:id="rId16"/>
+    <p:sldId id="314" r:id="rId17"/>
   </p:sldIdLst>
   <p:sldSz cx="9144000" cy="6858000" type="screen4x3"/>
   <p:notesSz cx="6648450" cy="9782175"/>
@@ -917,79 +916,6 @@
       </p:grpSpPr>
       <p:sp>
         <p:nvSpPr>
-          <p:cNvPr id="349186" name="Rectangle 2"/>
-          <p:cNvSpPr>
-            <a:spLocks noGrp="1" noRot="1" noChangeAspect="1" noChangeArrowheads="1" noTextEdit="1"/>
-          </p:cNvSpPr>
-          <p:nvPr>
-            <p:ph type="sldImg"/>
-          </p:nvPr>
-        </p:nvSpPr>
-        <p:spPr>
-          <a:xfrm>
-            <a:off x="877888" y="733425"/>
-            <a:ext cx="4892675" cy="3670300"/>
-          </a:xfrm>
-          <a:ln/>
-        </p:spPr>
-      </p:sp>
-      <p:sp>
-        <p:nvSpPr>
-          <p:cNvPr id="349187" name="Rectangle 3"/>
-          <p:cNvSpPr>
-            <a:spLocks noGrp="1" noChangeArrowheads="1"/>
-          </p:cNvSpPr>
-          <p:nvPr>
-            <p:ph type="body" idx="1"/>
-          </p:nvPr>
-        </p:nvSpPr>
-        <p:spPr/>
-        <p:txBody>
-          <a:bodyPr/>
-          <a:lstStyle/>
-          <a:p>
-            <a:r>
-              <a:rPr lang="en-US" altLang="fr-FR"/>
-              <a:t>&lt;ipf&gt;R,12: Model 2 Architecture (continued)&lt;/ipf&gt;</a:t>
-            </a:r>
-          </a:p>
-          <a:p>
-            <a:endParaRPr lang="en-US" altLang="fr-FR"/>
-          </a:p>
-        </p:txBody>
-      </p:sp>
-    </p:spTree>
-    <p:extLst>
-      <p:ext uri="{BB962C8B-B14F-4D97-AF65-F5344CB8AC3E}">
-        <p14:creationId xmlns:p14="http://schemas.microsoft.com/office/powerpoint/2010/main" val="143177323"/>
-      </p:ext>
-    </p:extLst>
-  </p:cSld>
-  <p:clrMapOvr>
-    <a:masterClrMapping/>
-  </p:clrMapOvr>
-</p:notes>
-</file>
-
-<file path=ppt/notesSlides/notesSlide2.xml><?xml version="1.0" encoding="utf-8"?>
-<p:notes xmlns:a="http://schemas.openxmlformats.org/drawingml/2006/main" xmlns:r="http://schemas.openxmlformats.org/officeDocument/2006/relationships" xmlns:p="http://schemas.openxmlformats.org/presentationml/2006/main">
-  <p:cSld>
-    <p:spTree>
-      <p:nvGrpSpPr>
-        <p:cNvPr id="1" name=""/>
-        <p:cNvGrpSpPr/>
-        <p:nvPr/>
-      </p:nvGrpSpPr>
-      <p:grpSpPr>
-        <a:xfrm>
-          <a:off x="0" y="0"/>
-          <a:ext cx="0" cy="0"/>
-          <a:chOff x="0" y="0"/>
-          <a:chExt cx="0" cy="0"/>
-        </a:xfrm>
-      </p:grpSpPr>
-      <p:sp>
-        <p:nvSpPr>
           <p:cNvPr id="355330" name="Rectangle 2"/>
           <p:cNvSpPr>
             <a:spLocks noGrp="1" noRot="1" noChangeAspect="1" noChangeArrowheads="1" noTextEdit="1"/>
@@ -1050,7 +976,7 @@
 </p:notes>
 </file>
 
-<file path=ppt/notesSlides/notesSlide3.xml><?xml version="1.0" encoding="utf-8"?>
+<file path=ppt/notesSlides/notesSlide2.xml><?xml version="1.0" encoding="utf-8"?>
 <p:notes xmlns:a="http://schemas.openxmlformats.org/drawingml/2006/main" xmlns:r="http://schemas.openxmlformats.org/officeDocument/2006/relationships" xmlns:p="http://schemas.openxmlformats.org/presentationml/2006/main">
   <p:cSld>
     <p:spTree>
@@ -1129,94 +1055,6 @@
     <p:extLst>
       <p:ext uri="{BB962C8B-B14F-4D97-AF65-F5344CB8AC3E}">
         <p14:creationId xmlns:p14="http://schemas.microsoft.com/office/powerpoint/2010/main" val="554321661"/>
-      </p:ext>
-    </p:extLst>
-  </p:cSld>
-  <p:clrMapOvr>
-    <a:masterClrMapping/>
-  </p:clrMapOvr>
-</p:notes>
-</file>
-
-<file path=ppt/notesSlides/notesSlide4.xml><?xml version="1.0" encoding="utf-8"?>
-<p:notes xmlns:a="http://schemas.openxmlformats.org/drawingml/2006/main" xmlns:r="http://schemas.openxmlformats.org/officeDocument/2006/relationships" xmlns:p="http://schemas.openxmlformats.org/presentationml/2006/main">
-  <p:cSld>
-    <p:spTree>
-      <p:nvGrpSpPr>
-        <p:cNvPr id="1" name=""/>
-        <p:cNvGrpSpPr/>
-        <p:nvPr/>
-      </p:nvGrpSpPr>
-      <p:grpSpPr>
-        <a:xfrm>
-          <a:off x="0" y="0"/>
-          <a:ext cx="0" cy="0"/>
-          <a:chOff x="0" y="0"/>
-          <a:chExt cx="0" cy="0"/>
-        </a:xfrm>
-      </p:grpSpPr>
-      <p:sp>
-        <p:nvSpPr>
-          <p:cNvPr id="359426" name="Rectangle 2"/>
-          <p:cNvSpPr>
-            <a:spLocks noGrp="1" noRot="1" noChangeAspect="1" noChangeArrowheads="1" noTextEdit="1"/>
-          </p:cNvSpPr>
-          <p:nvPr>
-            <p:ph type="sldImg"/>
-          </p:nvPr>
-        </p:nvSpPr>
-        <p:spPr>
-          <a:xfrm>
-            <a:off x="877888" y="733425"/>
-            <a:ext cx="4892675" cy="3670300"/>
-          </a:xfrm>
-          <a:ln/>
-        </p:spPr>
-      </p:sp>
-      <p:sp>
-        <p:nvSpPr>
-          <p:cNvPr id="359427" name="Rectangle 3"/>
-          <p:cNvSpPr>
-            <a:spLocks noGrp="1" noChangeArrowheads="1"/>
-          </p:cNvSpPr>
-          <p:nvPr>
-            <p:ph type="body" idx="1"/>
-          </p:nvPr>
-        </p:nvSpPr>
-        <p:spPr/>
-        <p:txBody>
-          <a:bodyPr/>
-          <a:lstStyle/>
-          <a:p>
-            <a:r>
-              <a:rPr lang="en-US" altLang="fr-FR"/>
-              <a:t>&lt;ipf&gt;R,24: Struts Architecture&lt;/ipf&gt;</a:t>
-            </a:r>
-          </a:p>
-          <a:p>
-            <a:r>
-              <a:rPr lang="en-US" altLang="fr-FR"/>
-              <a:t>Very high-level explanation. There are a number of low-level actions that occur (form beans, i18n, etc...), but I don’t want to muddy the waters now.</a:t>
-            </a:r>
-          </a:p>
-          <a:p>
-            <a:endParaRPr lang="en-US" altLang="fr-FR"/>
-          </a:p>
-          <a:p>
-            <a:r>
-              <a:rPr lang="en-US" altLang="fr-FR"/>
-              <a:t>A common pitfall for new Struts developers is the “Model”. It is important to state that Struts does not provide a data model implementation. It is up to the developer. A number of early articles on Struts incorrectly labeled the Action class as the model...this is incorrect. The Action class is associated with the controller. Also the ActionForm beans are closer to the View than anything else. So be prepared if a student shows you an article where the “author” states the Action is the model. If you read the books in the reading list, they all agree that the Struts does not provide a model implementation.</a:t>
-            </a:r>
-          </a:p>
-          <a:p>
-            <a:endParaRPr lang="en-US" altLang="fr-FR"/>
-          </a:p>
-        </p:txBody>
-      </p:sp>
-    </p:spTree>
-    <p:extLst>
-      <p:ext uri="{BB962C8B-B14F-4D97-AF65-F5344CB8AC3E}">
-        <p14:creationId xmlns:p14="http://schemas.microsoft.com/office/powerpoint/2010/main" val="4177751400"/>
       </p:ext>
     </p:extLst>
   </p:cSld>
@@ -3418,10 +3256,6 @@
             <a:r>
               <a:rPr lang="fr-FR" sz="1600" dirty="0" err="1" smtClean="0"/>
               <a:t>Angular</a:t>
-            </a:r>
-            <a:r>
-              <a:rPr lang="fr-FR" sz="1600" baseline="0" dirty="0" smtClean="0"/>
-              <a:t> 2</a:t>
             </a:r>
             <a:endParaRPr lang="fr-FR" dirty="0" smtClean="0">
               <a:latin typeface="Times New Roman" pitchFamily="18" charset="0"/>
@@ -4441,10 +4275,7 @@
               <a:rPr lang="fr-FR" altLang="fr-FR" sz="4000" kern="0" dirty="0" err="1" smtClean="0"/>
               <a:t>ngular</a:t>
             </a:r>
-            <a:r>
-              <a:rPr lang="fr-FR" altLang="fr-FR" sz="4000" kern="0" dirty="0" smtClean="0"/>
-              <a:t> 2</a:t>
-            </a:r>
+            <a:endParaRPr lang="fr-FR" altLang="fr-FR" sz="4000" kern="0" dirty="0" smtClean="0"/>
           </a:p>
         </p:txBody>
       </p:sp>
@@ -4482,7 +4313,7 @@
       </p:grpSpPr>
       <p:sp>
         <p:nvSpPr>
-          <p:cNvPr id="8194" name="Titre 1"/>
+          <p:cNvPr id="2" name="Titre 1"/>
           <p:cNvSpPr>
             <a:spLocks noGrp="1"/>
           </p:cNvSpPr>
@@ -4490,26 +4321,22 @@
             <p:ph type="title"/>
           </p:nvPr>
         </p:nvSpPr>
-        <p:spPr>
-          <a:xfrm>
-            <a:off x="1187450" y="12700"/>
-            <a:ext cx="7829550" cy="1143000"/>
-          </a:xfrm>
-        </p:spPr>
+        <p:spPr/>
         <p:txBody>
           <a:bodyPr/>
           <a:lstStyle/>
           <a:p>
             <a:r>
-              <a:rPr lang="fr-FR" altLang="fr-FR" smtClean="0"/>
-              <a:t>MVW</a:t>
-            </a:r>
+              <a:rPr lang="fr-FR" dirty="0" smtClean="0"/>
+              <a:t>De quoi a-t-on besoin ?</a:t>
+            </a:r>
+            <a:endParaRPr lang="fr-FR" dirty="0"/>
           </a:p>
         </p:txBody>
       </p:sp>
       <p:sp>
         <p:nvSpPr>
-          <p:cNvPr id="8195" name="Espace réservé du contenu 2"/>
+          <p:cNvPr id="3" name="Espace réservé du contenu 2"/>
           <p:cNvSpPr>
             <a:spLocks noGrp="1"/>
           </p:cNvSpPr>
@@ -4517,129 +4344,44 @@
             <p:ph idx="1"/>
           </p:nvPr>
         </p:nvSpPr>
-        <p:spPr>
-          <a:xfrm>
-            <a:off x="179388" y="1412875"/>
-            <a:ext cx="8766175" cy="5040313"/>
-          </a:xfrm>
-        </p:spPr>
+        <p:spPr/>
         <p:txBody>
           <a:bodyPr/>
           <a:lstStyle/>
           <a:p>
             <a:r>
-              <a:rPr lang="fr-FR" altLang="fr-FR" sz="2400" dirty="0" smtClean="0"/>
-              <a:t>Le client peut être de n'importe quel type</a:t>
-            </a:r>
-          </a:p>
-          <a:p>
-            <a:r>
-              <a:rPr lang="fr-FR" altLang="fr-FR" sz="2400" dirty="0" smtClean="0"/>
-              <a:t>Google appel ce pattern MVW</a:t>
-            </a:r>
-          </a:p>
-          <a:p>
-            <a:pPr lvl="1"/>
-            <a:r>
-              <a:rPr lang="fr-FR" altLang="fr-FR" sz="2000" dirty="0" smtClean="0"/>
-              <a:t>Model </a:t>
-            </a:r>
-            <a:r>
-              <a:rPr lang="fr-FR" altLang="fr-FR" sz="2000" dirty="0" err="1" smtClean="0"/>
-              <a:t>View</a:t>
-            </a:r>
-            <a:r>
-              <a:rPr lang="fr-FR" altLang="fr-FR" sz="2000" dirty="0" smtClean="0"/>
-              <a:t> </a:t>
-            </a:r>
-            <a:r>
-              <a:rPr lang="fr-FR" altLang="fr-FR" sz="2000" dirty="0" err="1" smtClean="0"/>
-              <a:t>Whatever</a:t>
-            </a:r>
-            <a:endParaRPr lang="fr-FR" altLang="fr-FR" sz="2000" dirty="0" smtClean="0"/>
-          </a:p>
-          <a:p>
-            <a:r>
-              <a:rPr lang="fr-FR" altLang="fr-FR" dirty="0" smtClean="0"/>
-              <a:t>Utilisation possible de </a:t>
-            </a:r>
-            <a:r>
-              <a:rPr lang="fr-FR" altLang="fr-FR" dirty="0" err="1" smtClean="0"/>
-              <a:t>Cordova</a:t>
-            </a:r>
-            <a:endParaRPr lang="fr-FR" altLang="fr-FR" dirty="0" smtClean="0"/>
-          </a:p>
-          <a:p>
-            <a:endParaRPr lang="fr-FR" altLang="fr-FR" dirty="0" smtClean="0"/>
+              <a:rPr lang="fr-FR" dirty="0" smtClean="0"/>
+              <a:t>HTML 5</a:t>
+            </a:r>
+          </a:p>
+          <a:p>
+            <a:r>
+              <a:rPr lang="fr-FR" dirty="0" smtClean="0"/>
+              <a:t>CSS 3</a:t>
+            </a:r>
+          </a:p>
+          <a:p>
+            <a:r>
+              <a:rPr lang="fr-FR" dirty="0" err="1" smtClean="0"/>
+              <a:t>Typescript</a:t>
+            </a:r>
+            <a:endParaRPr lang="fr-FR" dirty="0" smtClean="0"/>
+          </a:p>
+          <a:p>
+            <a:r>
+              <a:rPr lang="fr-FR" dirty="0" smtClean="0"/>
+              <a:t>Node.js</a:t>
+            </a:r>
+            <a:endParaRPr lang="fr-FR" dirty="0"/>
           </a:p>
         </p:txBody>
       </p:sp>
-      <p:pic>
-        <p:nvPicPr>
-          <p:cNvPr id="5" name="Picture 2" descr="D:\CVC\Formation\Android\Cordova\src\hello\www\img\logo.png"/>
-          <p:cNvPicPr>
-            <a:picLocks noChangeAspect="1" noChangeArrowheads="1"/>
-          </p:cNvPicPr>
-          <p:nvPr/>
-        </p:nvPicPr>
-        <p:blipFill>
-          <a:blip r:embed="rId2">
-            <a:extLst>
-              <a:ext uri="{28A0092B-C50C-407E-A947-70E740481C1C}">
-                <a14:useLocalDpi xmlns:a14="http://schemas.microsoft.com/office/drawing/2010/main" val="0"/>
-              </a:ext>
-            </a:extLst>
-          </a:blip>
-          <a:srcRect/>
-          <a:stretch>
-            <a:fillRect/>
-          </a:stretch>
-        </p:blipFill>
-        <p:spPr bwMode="auto">
-          <a:xfrm>
-            <a:off x="3275856" y="3717032"/>
-            <a:ext cx="2159000" cy="2540000"/>
-          </a:xfrm>
-          <a:prstGeom prst="rect">
-            <a:avLst/>
-          </a:prstGeom>
-          <a:noFill/>
-          <a:extLst>
-            <a:ext uri="{909E8E84-426E-40DD-AFC4-6F175D3DCCD1}">
-              <a14:hiddenFill xmlns:a14="http://schemas.microsoft.com/office/drawing/2010/main">
-                <a:solidFill>
-                  <a:srgbClr val="FFFFFF"/>
-                </a:solidFill>
-              </a14:hiddenFill>
-            </a:ext>
-          </a:extLst>
-        </p:spPr>
-      </p:pic>
-      <p:pic>
-        <p:nvPicPr>
-          <p:cNvPr id="2" name="Image 1"/>
-          <p:cNvPicPr>
-            <a:picLocks noChangeAspect="1"/>
-          </p:cNvPicPr>
-          <p:nvPr/>
-        </p:nvPicPr>
-        <p:blipFill>
-          <a:blip r:embed="rId3"/>
-          <a:stretch>
-            <a:fillRect/>
-          </a:stretch>
-        </p:blipFill>
-        <p:spPr>
-          <a:xfrm>
-            <a:off x="6503640" y="2636912"/>
-            <a:ext cx="2171700" cy="3162300"/>
-          </a:xfrm>
-          <a:prstGeom prst="rect">
-            <a:avLst/>
-          </a:prstGeom>
-        </p:spPr>
-      </p:pic>
     </p:spTree>
+    <p:extLst>
+      <p:ext uri="{BB962C8B-B14F-4D97-AF65-F5344CB8AC3E}">
+        <p14:creationId xmlns:p14="http://schemas.microsoft.com/office/powerpoint/2010/main" val="3038190864"/>
+      </p:ext>
+    </p:extLst>
   </p:cSld>
   <p:clrMapOvr>
     <a:masterClrMapping/>
@@ -4673,7 +4415,7 @@
       </p:grpSpPr>
       <p:sp>
         <p:nvSpPr>
-          <p:cNvPr id="9218" name="Titre 1"/>
+          <p:cNvPr id="2" name="Titre 1"/>
           <p:cNvSpPr>
             <a:spLocks noGrp="1"/>
           </p:cNvSpPr>
@@ -4681,26 +4423,34 @@
             <p:ph type="title"/>
           </p:nvPr>
         </p:nvSpPr>
-        <p:spPr>
-          <a:xfrm>
-            <a:off x="1187450" y="12700"/>
-            <a:ext cx="7829550" cy="1143000"/>
-          </a:xfrm>
-        </p:spPr>
+        <p:spPr/>
         <p:txBody>
           <a:bodyPr/>
           <a:lstStyle/>
           <a:p>
             <a:r>
-              <a:rPr lang="fr-FR" altLang="fr-FR" smtClean="0"/>
-              <a:t>MVW</a:t>
-            </a:r>
+              <a:rPr lang="fr-FR" dirty="0" smtClean="0"/>
+              <a:t>Différences entre </a:t>
+            </a:r>
+            <a:r>
+              <a:rPr lang="fr-FR" dirty="0" err="1" smtClean="0"/>
+              <a:t>Angular</a:t>
+            </a:r>
+            <a:r>
+              <a:rPr lang="fr-FR" dirty="0" smtClean="0"/>
+              <a:t> JS &amp; </a:t>
+            </a:r>
+            <a:r>
+              <a:rPr lang="fr-FR" dirty="0" err="1" smtClean="0"/>
+              <a:t>Angular</a:t>
+            </a:r>
+            <a:endParaRPr lang="fr-FR" dirty="0"/>
           </a:p>
         </p:txBody>
       </p:sp>
       <p:sp>
         <p:nvSpPr>
-          <p:cNvPr id="9219" name="Espace réservé du contenu 2"/>
+          <p:cNvPr id="3" name="Espace réservé du contenu 2"/>
           <p:cNvSpPr>
             <a:spLocks noGrp="1"/>
           </p:cNvSpPr>
@@ -4708,83 +4458,70 @@
             <p:ph idx="1"/>
           </p:nvPr>
         </p:nvSpPr>
-        <p:spPr>
-          <a:xfrm>
-            <a:off x="179388" y="1412875"/>
-            <a:ext cx="8766175" cy="5040313"/>
-          </a:xfrm>
-        </p:spPr>
+        <p:spPr/>
         <p:txBody>
           <a:bodyPr/>
           <a:lstStyle/>
           <a:p>
-            <a:endParaRPr lang="fr-FR" altLang="fr-FR" smtClean="0"/>
+            <a:r>
+              <a:rPr lang="fr-FR" dirty="0" smtClean="0"/>
+              <a:t>+ rapide</a:t>
+            </a:r>
+          </a:p>
+          <a:p>
+            <a:r>
+              <a:rPr lang="fr-FR" dirty="0" smtClean="0"/>
+              <a:t>Composants</a:t>
+            </a:r>
+          </a:p>
+          <a:p>
+            <a:pPr lvl="1"/>
+            <a:r>
+              <a:rPr lang="fr-FR" dirty="0" smtClean="0"/>
+              <a:t>Au lieu des scopes, contrôleurs</a:t>
+            </a:r>
+          </a:p>
+          <a:p>
+            <a:r>
+              <a:rPr lang="fr-FR" dirty="0" smtClean="0"/>
+              <a:t>Custom directives plus simples</a:t>
+            </a:r>
+          </a:p>
+          <a:p>
+            <a:r>
+              <a:rPr lang="fr-FR" dirty="0" smtClean="0"/>
+              <a:t>Data binding différent</a:t>
+            </a:r>
+          </a:p>
+          <a:p>
+            <a:r>
+              <a:rPr lang="fr-FR" dirty="0" smtClean="0"/>
+              <a:t>POO</a:t>
+            </a:r>
+          </a:p>
+          <a:p>
+            <a:r>
+              <a:rPr lang="fr-FR" dirty="0" smtClean="0"/>
+              <a:t>ES 6 et </a:t>
+            </a:r>
+            <a:r>
+              <a:rPr lang="fr-FR" dirty="0" err="1" smtClean="0"/>
+              <a:t>Typescript</a:t>
+            </a:r>
+            <a:endParaRPr lang="fr-FR" dirty="0" smtClean="0"/>
+          </a:p>
+          <a:p>
+            <a:pPr lvl="1"/>
+            <a:endParaRPr lang="fr-FR" dirty="0"/>
           </a:p>
         </p:txBody>
       </p:sp>
-      <p:pic>
-        <p:nvPicPr>
-          <p:cNvPr id="9220" name="Picture 2"/>
-          <p:cNvPicPr>
-            <a:picLocks noChangeAspect="1" noChangeArrowheads="1"/>
-          </p:cNvPicPr>
-          <p:nvPr/>
-        </p:nvPicPr>
-        <p:blipFill>
-          <a:blip r:embed="rId2">
-            <a:extLst>
-              <a:ext uri="{28A0092B-C50C-407E-A947-70E740481C1C}">
-                <a14:useLocalDpi xmlns:a14="http://schemas.microsoft.com/office/drawing/2010/main" val="0"/>
-              </a:ext>
-            </a:extLst>
-          </a:blip>
-          <a:srcRect/>
-          <a:stretch>
-            <a:fillRect/>
-          </a:stretch>
-        </p:blipFill>
-        <p:spPr bwMode="auto">
-          <a:xfrm>
-            <a:off x="1042988" y="1916113"/>
-            <a:ext cx="7540625" cy="4095750"/>
-          </a:xfrm>
-          <a:prstGeom prst="rect">
-            <a:avLst/>
-          </a:prstGeom>
-          <a:noFill/>
-          <a:ln>
-            <a:noFill/>
-          </a:ln>
-          <a:extLst>
-            <a:ext uri="{909E8E84-426E-40DD-AFC4-6F175D3DCCD1}">
-              <a14:hiddenFill xmlns:a14="http://schemas.microsoft.com/office/drawing/2010/main">
-                <a:gradFill rotWithShape="0">
-                  <a:gsLst>
-                    <a:gs pos="0">
-                      <a:schemeClr val="accent1"/>
-                    </a:gs>
-                    <a:gs pos="100000">
-                      <a:schemeClr val="bg1"/>
-                    </a:gs>
-                  </a:gsLst>
-                  <a:lin ang="5400000" scaled="1"/>
-                </a:gradFill>
-              </a14:hiddenFill>
-            </a:ext>
-            <a:ext uri="{91240B29-F687-4F45-9708-019B960494DF}">
-              <a14:hiddenLine xmlns:a14="http://schemas.microsoft.com/office/drawing/2010/main" w="9525">
-                <a:solidFill>
-                  <a:schemeClr val="tx1"/>
-                </a:solidFill>
-                <a:miter lim="800000"/>
-                <a:headEnd/>
-                <a:tailEnd/>
-              </a14:hiddenLine>
-            </a:ext>
-          </a:extLst>
-        </p:spPr>
-      </p:pic>
     </p:spTree>
+    <p:extLst>
+      <p:ext uri="{BB962C8B-B14F-4D97-AF65-F5344CB8AC3E}">
+        <p14:creationId xmlns:p14="http://schemas.microsoft.com/office/powerpoint/2010/main" val="4090678205"/>
+      </p:ext>
+    </p:extLst>
   </p:cSld>
   <p:clrMapOvr>
     <a:masterClrMapping/>
@@ -4833,7 +4570,7 @@
           <a:p>
             <a:r>
               <a:rPr lang="fr-FR" dirty="0" smtClean="0"/>
-              <a:t>De quoi a-t-on besoin ?</a:t>
+              <a:t>Quel langage ?</a:t>
             </a:r>
             <a:endParaRPr lang="fr-FR" dirty="0"/>
           </a:p>
@@ -4855,24 +4592,19 @@
           <a:lstStyle/>
           <a:p>
             <a:r>
-              <a:rPr lang="fr-FR" dirty="0" smtClean="0"/>
-              <a:t>HTML 5</a:t>
-            </a:r>
-          </a:p>
-          <a:p>
-            <a:r>
-              <a:rPr lang="fr-FR" dirty="0" smtClean="0"/>
-              <a:t>CSS 3</a:t>
-            </a:r>
-          </a:p>
-          <a:p>
-            <a:r>
               <a:rPr lang="fr-FR" dirty="0" err="1" smtClean="0"/>
               <a:t>Javascript</a:t>
             </a:r>
             <a:r>
               <a:rPr lang="fr-FR" dirty="0" smtClean="0"/>
-              <a:t> ou </a:t>
+              <a:t> 6</a:t>
+            </a:r>
+          </a:p>
+          <a:p>
+            <a:pPr lvl="1"/>
+            <a:r>
+              <a:rPr lang="fr-FR" dirty="0" smtClean="0"/>
+              <a:t>Est une implémentation de </a:t>
             </a:r>
             <a:r>
               <a:rPr lang="fr-FR" dirty="0" err="1" smtClean="0"/>
@@ -4880,8 +4612,40 @@
             </a:r>
             <a:r>
               <a:rPr lang="fr-FR" dirty="0" smtClean="0"/>
-              <a:t> 6 ou </a:t>
-            </a:r>
+              <a:t> 6 (ES 6)</a:t>
+            </a:r>
+          </a:p>
+          <a:p>
+            <a:pPr lvl="1"/>
+            <a:r>
+              <a:rPr lang="fr-FR" dirty="0"/>
+              <a:t>Incompatible avec certains </a:t>
+            </a:r>
+            <a:r>
+              <a:rPr lang="fr-FR" dirty="0" smtClean="0"/>
+              <a:t>navigateur</a:t>
+            </a:r>
+          </a:p>
+          <a:p>
+            <a:pPr lvl="1"/>
+            <a:r>
+              <a:rPr lang="fr-FR" dirty="0" smtClean="0"/>
+              <a:t>OO</a:t>
+            </a:r>
+          </a:p>
+          <a:p>
+            <a:pPr lvl="1"/>
+            <a:endParaRPr lang="fr-FR" dirty="0"/>
+          </a:p>
+          <a:p>
+            <a:pPr lvl="1"/>
+            <a:endParaRPr lang="fr-FR" dirty="0" smtClean="0"/>
+          </a:p>
+          <a:p>
+            <a:pPr lvl="1"/>
+            <a:endParaRPr lang="fr-FR" dirty="0"/>
+          </a:p>
+          <a:p>
             <a:r>
               <a:rPr lang="fr-FR" dirty="0" err="1" smtClean="0"/>
               <a:t>Typescript</a:t>
@@ -4889,251 +4653,10 @@
             <a:endParaRPr lang="fr-FR" dirty="0" smtClean="0"/>
           </a:p>
           <a:p>
+            <a:pPr lvl="1"/>
             <a:r>
               <a:rPr lang="fr-FR" dirty="0" smtClean="0"/>
-              <a:t>Node.js</a:t>
-            </a:r>
-            <a:endParaRPr lang="fr-FR" dirty="0"/>
-          </a:p>
-        </p:txBody>
-      </p:sp>
-    </p:spTree>
-    <p:extLst>
-      <p:ext uri="{BB962C8B-B14F-4D97-AF65-F5344CB8AC3E}">
-        <p14:creationId xmlns:p14="http://schemas.microsoft.com/office/powerpoint/2010/main" val="3038190864"/>
-      </p:ext>
-    </p:extLst>
-  </p:cSld>
-  <p:clrMapOvr>
-    <a:masterClrMapping/>
-  </p:clrMapOvr>
-</p:sld>
-</file>
-
-<file path=ppt/slides/slide13.xml><?xml version="1.0" encoding="utf-8"?>
-<p:sld xmlns:a="http://schemas.openxmlformats.org/drawingml/2006/main" xmlns:r="http://schemas.openxmlformats.org/officeDocument/2006/relationships" xmlns:p="http://schemas.openxmlformats.org/presentationml/2006/main">
-  <p:cSld>
-    <p:spTree>
-      <p:nvGrpSpPr>
-        <p:cNvPr id="1" name=""/>
-        <p:cNvGrpSpPr/>
-        <p:nvPr/>
-      </p:nvGrpSpPr>
-      <p:grpSpPr>
-        <a:xfrm>
-          <a:off x="0" y="0"/>
-          <a:ext cx="0" cy="0"/>
-          <a:chOff x="0" y="0"/>
-          <a:chExt cx="0" cy="0"/>
-        </a:xfrm>
-      </p:grpSpPr>
-      <p:sp>
-        <p:nvSpPr>
-          <p:cNvPr id="2" name="Titre 1"/>
-          <p:cNvSpPr>
-            <a:spLocks noGrp="1"/>
-          </p:cNvSpPr>
-          <p:nvPr>
-            <p:ph type="title"/>
-          </p:nvPr>
-        </p:nvSpPr>
-        <p:spPr/>
-        <p:txBody>
-          <a:bodyPr/>
-          <a:lstStyle/>
-          <a:p>
-            <a:r>
-              <a:rPr lang="fr-FR" dirty="0" smtClean="0"/>
-              <a:t>Différences entre </a:t>
-            </a:r>
-            <a:r>
-              <a:rPr lang="fr-FR" dirty="0" err="1" smtClean="0"/>
-              <a:t>Angular</a:t>
-            </a:r>
-            <a:r>
-              <a:rPr lang="fr-FR" dirty="0" smtClean="0"/>
-              <a:t> 1 &amp; 2</a:t>
-            </a:r>
-            <a:endParaRPr lang="fr-FR" dirty="0"/>
-          </a:p>
-        </p:txBody>
-      </p:sp>
-      <p:sp>
-        <p:nvSpPr>
-          <p:cNvPr id="3" name="Espace réservé du contenu 2"/>
-          <p:cNvSpPr>
-            <a:spLocks noGrp="1"/>
-          </p:cNvSpPr>
-          <p:nvPr>
-            <p:ph idx="1"/>
-          </p:nvPr>
-        </p:nvSpPr>
-        <p:spPr/>
-        <p:txBody>
-          <a:bodyPr/>
-          <a:lstStyle/>
-          <a:p>
-            <a:r>
-              <a:rPr lang="fr-FR" dirty="0" smtClean="0"/>
-              <a:t>+ rapide</a:t>
-            </a:r>
-          </a:p>
-          <a:p>
-            <a:r>
-              <a:rPr lang="fr-FR" dirty="0" smtClean="0"/>
-              <a:t>Composants</a:t>
-            </a:r>
-          </a:p>
-          <a:p>
-            <a:pPr lvl="1"/>
-            <a:r>
-              <a:rPr lang="fr-FR" dirty="0" smtClean="0"/>
-              <a:t>Au lieu des scopes, contrôleurs</a:t>
-            </a:r>
-          </a:p>
-          <a:p>
-            <a:r>
-              <a:rPr lang="fr-FR" dirty="0" smtClean="0"/>
-              <a:t>Custom directives plus simples</a:t>
-            </a:r>
-          </a:p>
-          <a:p>
-            <a:r>
-              <a:rPr lang="fr-FR" dirty="0" smtClean="0"/>
-              <a:t>Data binding différent</a:t>
-            </a:r>
-          </a:p>
-          <a:p>
-            <a:r>
-              <a:rPr lang="fr-FR" dirty="0" smtClean="0"/>
-              <a:t>POO</a:t>
-            </a:r>
-          </a:p>
-          <a:p>
-            <a:r>
-              <a:rPr lang="fr-FR" dirty="0" smtClean="0"/>
-              <a:t>ES 6 et </a:t>
-            </a:r>
-            <a:r>
-              <a:rPr lang="fr-FR" dirty="0" err="1" smtClean="0"/>
-              <a:t>Typescript</a:t>
-            </a:r>
-            <a:endParaRPr lang="fr-FR" dirty="0" smtClean="0"/>
-          </a:p>
-          <a:p>
-            <a:pPr lvl="1"/>
-            <a:endParaRPr lang="fr-FR" dirty="0"/>
-          </a:p>
-        </p:txBody>
-      </p:sp>
-    </p:spTree>
-    <p:extLst>
-      <p:ext uri="{BB962C8B-B14F-4D97-AF65-F5344CB8AC3E}">
-        <p14:creationId xmlns:p14="http://schemas.microsoft.com/office/powerpoint/2010/main" val="4090678205"/>
-      </p:ext>
-    </p:extLst>
-  </p:cSld>
-  <p:clrMapOvr>
-    <a:masterClrMapping/>
-  </p:clrMapOvr>
-</p:sld>
-</file>
-
-<file path=ppt/slides/slide14.xml><?xml version="1.0" encoding="utf-8"?>
-<p:sld xmlns:a="http://schemas.openxmlformats.org/drawingml/2006/main" xmlns:r="http://schemas.openxmlformats.org/officeDocument/2006/relationships" xmlns:p="http://schemas.openxmlformats.org/presentationml/2006/main">
-  <p:cSld>
-    <p:spTree>
-      <p:nvGrpSpPr>
-        <p:cNvPr id="1" name=""/>
-        <p:cNvGrpSpPr/>
-        <p:nvPr/>
-      </p:nvGrpSpPr>
-      <p:grpSpPr>
-        <a:xfrm>
-          <a:off x="0" y="0"/>
-          <a:ext cx="0" cy="0"/>
-          <a:chOff x="0" y="0"/>
-          <a:chExt cx="0" cy="0"/>
-        </a:xfrm>
-      </p:grpSpPr>
-      <p:sp>
-        <p:nvSpPr>
-          <p:cNvPr id="2" name="Titre 1"/>
-          <p:cNvSpPr>
-            <a:spLocks noGrp="1"/>
-          </p:cNvSpPr>
-          <p:nvPr>
-            <p:ph type="title"/>
-          </p:nvPr>
-        </p:nvSpPr>
-        <p:spPr/>
-        <p:txBody>
-          <a:bodyPr/>
-          <a:lstStyle/>
-          <a:p>
-            <a:r>
-              <a:rPr lang="fr-FR" dirty="0" smtClean="0"/>
-              <a:t>Quel langage ?</a:t>
-            </a:r>
-            <a:endParaRPr lang="fr-FR" dirty="0"/>
-          </a:p>
-        </p:txBody>
-      </p:sp>
-      <p:sp>
-        <p:nvSpPr>
-          <p:cNvPr id="3" name="Espace réservé du contenu 2"/>
-          <p:cNvSpPr>
-            <a:spLocks noGrp="1"/>
-          </p:cNvSpPr>
-          <p:nvPr>
-            <p:ph idx="1"/>
-          </p:nvPr>
-        </p:nvSpPr>
-        <p:spPr/>
-        <p:txBody>
-          <a:bodyPr/>
-          <a:lstStyle/>
-          <a:p>
-            <a:r>
-              <a:rPr lang="fr-FR" dirty="0" err="1" smtClean="0"/>
-              <a:t>Javascript</a:t>
-            </a:r>
-            <a:r>
-              <a:rPr lang="fr-FR" dirty="0" smtClean="0"/>
-              <a:t> 6</a:t>
-            </a:r>
-          </a:p>
-          <a:p>
-            <a:pPr lvl="1"/>
-            <a:r>
-              <a:rPr lang="fr-FR" dirty="0" smtClean="0"/>
-              <a:t>Est une implémentation de </a:t>
-            </a:r>
-            <a:r>
-              <a:rPr lang="fr-FR" dirty="0" err="1" smtClean="0"/>
-              <a:t>ECMAScript</a:t>
-            </a:r>
-            <a:r>
-              <a:rPr lang="fr-FR" dirty="0" smtClean="0"/>
-              <a:t> 6 (ES 6)</a:t>
-            </a:r>
-          </a:p>
-          <a:p>
-            <a:pPr lvl="1"/>
-            <a:r>
-              <a:rPr lang="fr-FR" dirty="0"/>
-              <a:t>Incompatible avec certains </a:t>
-            </a:r>
-            <a:r>
-              <a:rPr lang="fr-FR" dirty="0" smtClean="0"/>
-              <a:t>navigateur</a:t>
-            </a:r>
-          </a:p>
-          <a:p>
-            <a:pPr lvl="1"/>
-            <a:r>
-              <a:rPr lang="fr-FR" dirty="0" smtClean="0"/>
-              <a:t>OO</a:t>
+              <a:t>Conseillé</a:t>
             </a:r>
           </a:p>
           <a:p>
@@ -5180,10 +4703,17 @@
   <p:clrMapOvr>
     <a:masterClrMapping/>
   </p:clrMapOvr>
+  <p:timing>
+    <p:tnLst>
+      <p:par>
+        <p:cTn id="1" dur="indefinite" restart="never" nodeType="tmRoot"/>
+      </p:par>
+    </p:tnLst>
+  </p:timing>
 </p:sld>
 </file>
 
-<file path=ppt/slides/slide15.xml><?xml version="1.0" encoding="utf-8"?>
+<file path=ppt/slides/slide13.xml><?xml version="1.0" encoding="utf-8"?>
 <p:sld xmlns:a="http://schemas.openxmlformats.org/drawingml/2006/main" xmlns:r="http://schemas.openxmlformats.org/officeDocument/2006/relationships" xmlns:p="http://schemas.openxmlformats.org/presentationml/2006/main">
   <p:cSld>
     <p:spTree>
@@ -5240,13 +4770,13 @@
           <a:p>
             <a:r>
               <a:rPr lang="fr-FR" dirty="0" smtClean="0"/>
-              <a:t>Convertit JS 6 en JS 3</a:t>
+              <a:t>Convertit JS 6 en JS 4</a:t>
             </a:r>
           </a:p>
           <a:p>
             <a:r>
               <a:rPr lang="fr-FR" dirty="0" smtClean="0"/>
-              <a:t>Convertit TS en JS 3</a:t>
+              <a:t>Convertit TS en JS 4</a:t>
             </a:r>
           </a:p>
           <a:p>
@@ -5302,10 +4832,17 @@
   <p:clrMapOvr>
     <a:masterClrMapping/>
   </p:clrMapOvr>
+  <p:timing>
+    <p:tnLst>
+      <p:par>
+        <p:cTn id="1" dur="indefinite" restart="never" nodeType="tmRoot"/>
+      </p:par>
+    </p:tnLst>
+  </p:timing>
 </p:sld>
 </file>
 
-<file path=ppt/slides/slide16.xml><?xml version="1.0" encoding="utf-8"?>
+<file path=ppt/slides/slide14.xml><?xml version="1.0" encoding="utf-8"?>
 <p:sld xmlns:a="http://schemas.openxmlformats.org/drawingml/2006/main" xmlns:r="http://schemas.openxmlformats.org/officeDocument/2006/relationships" xmlns:p="http://schemas.openxmlformats.org/presentationml/2006/main">
   <p:cSld>
     <p:spTree>
@@ -5522,10 +5059,17 @@
   <p:clrMapOvr>
     <a:masterClrMapping/>
   </p:clrMapOvr>
+  <p:timing>
+    <p:tnLst>
+      <p:par>
+        <p:cTn id="1" dur="indefinite" restart="never" nodeType="tmRoot"/>
+      </p:par>
+    </p:tnLst>
+  </p:timing>
 </p:sld>
 </file>
 
-<file path=ppt/slides/slide17.xml><?xml version="1.0" encoding="utf-8"?>
+<file path=ppt/slides/slide15.xml><?xml version="1.0" encoding="utf-8"?>
 <p:sld xmlns:a="http://schemas.openxmlformats.org/drawingml/2006/main" xmlns:r="http://schemas.openxmlformats.org/officeDocument/2006/relationships" xmlns:p="http://schemas.openxmlformats.org/presentationml/2006/main">
   <p:cSld>
     <p:spTree>
@@ -5671,6 +5215,143 @@
   <p:clrMapOvr>
     <a:masterClrMapping/>
   </p:clrMapOvr>
+  <p:timing>
+    <p:tnLst>
+      <p:par>
+        <p:cTn id="1" dur="indefinite" restart="never" nodeType="tmRoot"/>
+      </p:par>
+    </p:tnLst>
+  </p:timing>
+</p:sld>
+</file>
+
+<file path=ppt/slides/slide16.xml><?xml version="1.0" encoding="utf-8"?>
+<p:sld xmlns:a="http://schemas.openxmlformats.org/drawingml/2006/main" xmlns:r="http://schemas.openxmlformats.org/officeDocument/2006/relationships" xmlns:p="http://schemas.openxmlformats.org/presentationml/2006/main">
+  <p:cSld>
+    <p:spTree>
+      <p:nvGrpSpPr>
+        <p:cNvPr id="1" name=""/>
+        <p:cNvGrpSpPr/>
+        <p:nvPr/>
+      </p:nvGrpSpPr>
+      <p:grpSpPr>
+        <a:xfrm>
+          <a:off x="0" y="0"/>
+          <a:ext cx="0" cy="0"/>
+          <a:chOff x="0" y="0"/>
+          <a:chExt cx="0" cy="0"/>
+        </a:xfrm>
+      </p:grpSpPr>
+      <p:sp>
+        <p:nvSpPr>
+          <p:cNvPr id="2" name="Titre 1"/>
+          <p:cNvSpPr>
+            <a:spLocks noGrp="1"/>
+          </p:cNvSpPr>
+          <p:nvPr>
+            <p:ph type="title"/>
+          </p:nvPr>
+        </p:nvSpPr>
+        <p:spPr/>
+        <p:txBody>
+          <a:bodyPr/>
+          <a:lstStyle/>
+          <a:p>
+            <a:r>
+              <a:rPr lang="fr-FR" dirty="0" smtClean="0"/>
+              <a:t>IDE</a:t>
+            </a:r>
+            <a:endParaRPr lang="fr-FR" dirty="0"/>
+          </a:p>
+        </p:txBody>
+      </p:sp>
+      <p:sp>
+        <p:nvSpPr>
+          <p:cNvPr id="3" name="Espace réservé du contenu 2"/>
+          <p:cNvSpPr>
+            <a:spLocks noGrp="1"/>
+          </p:cNvSpPr>
+          <p:nvPr>
+            <p:ph idx="1"/>
+          </p:nvPr>
+        </p:nvSpPr>
+        <p:spPr/>
+        <p:txBody>
+          <a:bodyPr/>
+          <a:lstStyle/>
+          <a:p>
+            <a:r>
+              <a:rPr lang="fr-FR" dirty="0" smtClean="0"/>
+              <a:t>Conseillés</a:t>
+            </a:r>
+          </a:p>
+          <a:p>
+            <a:pPr lvl="1"/>
+            <a:r>
+              <a:rPr lang="fr-FR" dirty="0" err="1" smtClean="0"/>
+              <a:t>Atom</a:t>
+            </a:r>
+            <a:endParaRPr lang="fr-FR" dirty="0" smtClean="0"/>
+          </a:p>
+          <a:p>
+            <a:pPr lvl="1"/>
+            <a:r>
+              <a:rPr lang="fr-FR" dirty="0" smtClean="0"/>
+              <a:t>VS Code</a:t>
+            </a:r>
+          </a:p>
+          <a:p>
+            <a:pPr lvl="1"/>
+            <a:r>
+              <a:rPr lang="fr-FR" dirty="0" smtClean="0"/>
+              <a:t>Visual Studio</a:t>
+            </a:r>
+          </a:p>
+          <a:p>
+            <a:r>
+              <a:rPr lang="fr-FR" dirty="0" smtClean="0"/>
+              <a:t>Moins conseillés</a:t>
+            </a:r>
+          </a:p>
+          <a:p>
+            <a:pPr lvl="1"/>
+            <a:r>
+              <a:rPr lang="fr-FR" dirty="0" err="1" smtClean="0"/>
+              <a:t>IntelliJ</a:t>
+            </a:r>
+            <a:r>
+              <a:rPr lang="fr-FR" dirty="0" smtClean="0"/>
+              <a:t> (ou </a:t>
+            </a:r>
+            <a:r>
+              <a:rPr lang="fr-FR" dirty="0" err="1" smtClean="0"/>
+              <a:t>WebStom</a:t>
+            </a:r>
+            <a:r>
+              <a:rPr lang="fr-FR" dirty="0" smtClean="0"/>
+              <a:t>) version payante</a:t>
+            </a:r>
+          </a:p>
+          <a:p>
+            <a:pPr lvl="1"/>
+            <a:r>
+              <a:rPr lang="fr-FR" smtClean="0"/>
+              <a:t>Eclipse</a:t>
+            </a:r>
+            <a:endParaRPr lang="fr-FR" dirty="0"/>
+          </a:p>
+        </p:txBody>
+      </p:sp>
+    </p:spTree>
+    <p:extLst>
+      <p:ext uri="{BB962C8B-B14F-4D97-AF65-F5344CB8AC3E}">
+        <p14:creationId xmlns:p14="http://schemas.microsoft.com/office/powerpoint/2010/main" val="2640496745"/>
+      </p:ext>
+    </p:extLst>
+  </p:cSld>
+  <p:clrMapOvr>
+    <a:masterClrMapping/>
+  </p:clrMapOvr>
 </p:sld>
 </file>
 
@@ -5751,8 +5432,8 @@
           <a:lstStyle/>
           <a:p>
             <a:r>
-              <a:rPr lang="fr-FR" altLang="fr-FR" dirty="0" smtClean="0"/>
-              <a:t>D’abord </a:t>
+              <a:rPr lang="fr-FR" altLang="fr-FR" smtClean="0"/>
+              <a:t>D’abord appelé </a:t>
             </a:r>
             <a:r>
               <a:rPr lang="fr-FR" altLang="fr-FR" dirty="0" err="1" smtClean="0"/>
@@ -5969,6 +5650,7 @@
             </a:r>
           </a:p>
           <a:p>
+            <a:pPr lvl="1"/>
             <a:r>
               <a:rPr lang="fr-FR" altLang="fr-FR" dirty="0" err="1" smtClean="0"/>
               <a:t>Angular</a:t>
@@ -5987,6 +5669,7 @@
             </a:r>
           </a:p>
           <a:p>
+            <a:pPr lvl="1"/>
             <a:r>
               <a:rPr lang="fr-FR" altLang="fr-FR" dirty="0" err="1" smtClean="0"/>
               <a:t>Angular</a:t>
@@ -6010,6 +5693,7 @@
             <a:endParaRPr lang="fr-FR" altLang="fr-FR" dirty="0" smtClean="0"/>
           </a:p>
           <a:p>
+            <a:pPr lvl="1"/>
             <a:r>
               <a:rPr lang="fr-FR" altLang="fr-FR" dirty="0" err="1" smtClean="0"/>
               <a:t>Angular</a:t>
@@ -6028,6 +5712,7 @@
             </a:r>
           </a:p>
           <a:p>
+            <a:pPr lvl="1"/>
             <a:r>
               <a:rPr lang="fr-FR" altLang="fr-FR" dirty="0" err="1" smtClean="0"/>
               <a:t>Angular</a:t>
@@ -6043,6 +5728,7 @@
             <a:endParaRPr lang="fr-FR" altLang="fr-FR" dirty="0" smtClean="0"/>
           </a:p>
           <a:p>
+            <a:pPr lvl="1"/>
             <a:r>
               <a:rPr lang="fr-FR" altLang="fr-FR" dirty="0" err="1" smtClean="0"/>
               <a:t>Angular</a:t>
@@ -6053,18 +5739,92 @@
             </a:r>
           </a:p>
           <a:p>
+            <a:pPr lvl="1"/>
             <a:r>
               <a:rPr lang="fr-FR" altLang="fr-FR" dirty="0" err="1" smtClean="0"/>
               <a:t>Angular</a:t>
             </a:r>
             <a:r>
               <a:rPr lang="fr-FR" altLang="fr-FR" dirty="0" smtClean="0"/>
-              <a:t> 2.0 : 2016 Nouveau </a:t>
+              <a:t> JS 1.6 : 2016 Components</a:t>
+            </a:r>
+          </a:p>
+          <a:p>
+            <a:r>
+              <a:rPr lang="fr-FR" altLang="fr-FR" dirty="0" err="1" smtClean="0"/>
+              <a:t>Angular</a:t>
+            </a:r>
+            <a:r>
+              <a:rPr lang="fr-FR" altLang="fr-FR" dirty="0" smtClean="0"/>
+              <a:t> 2 : 2016 Nouveau </a:t>
             </a:r>
             <a:r>
               <a:rPr lang="fr-FR" altLang="fr-FR" dirty="0" err="1" smtClean="0"/>
               <a:t>framework</a:t>
             </a:r>
+            <a:endParaRPr lang="fr-FR" altLang="fr-FR" dirty="0" smtClean="0"/>
+          </a:p>
+          <a:p>
+            <a:r>
+              <a:rPr lang="fr-FR" altLang="fr-FR" dirty="0" err="1" smtClean="0"/>
+              <a:t>Angular</a:t>
+            </a:r>
+            <a:r>
+              <a:rPr lang="fr-FR" altLang="fr-FR" dirty="0" smtClean="0"/>
+              <a:t> 4 </a:t>
+            </a:r>
+            <a:r>
+              <a:rPr lang="fr-FR" altLang="fr-FR" dirty="0"/>
+              <a:t>: </a:t>
+            </a:r>
+            <a:r>
+              <a:rPr lang="fr-FR" altLang="fr-FR" dirty="0" smtClean="0"/>
+              <a:t>2017 </a:t>
+            </a:r>
+            <a:r>
+              <a:rPr lang="fr-FR" altLang="fr-FR" dirty="0" err="1" smtClean="0"/>
+              <a:t>HttpClient</a:t>
+            </a:r>
+            <a:endParaRPr lang="fr-FR" altLang="fr-FR" dirty="0" smtClean="0"/>
+          </a:p>
+          <a:p>
+            <a:r>
+              <a:rPr lang="fr-FR" altLang="fr-FR" dirty="0" err="1"/>
+              <a:t>Angular</a:t>
+            </a:r>
+            <a:r>
+              <a:rPr lang="fr-FR" altLang="fr-FR" dirty="0"/>
+              <a:t> 5</a:t>
+            </a:r>
+            <a:r>
+              <a:rPr lang="fr-FR" altLang="fr-FR" dirty="0" smtClean="0"/>
+              <a:t> </a:t>
+            </a:r>
+            <a:r>
+              <a:rPr lang="fr-FR" altLang="fr-FR" dirty="0"/>
+              <a:t>: </a:t>
+            </a:r>
+            <a:r>
+              <a:rPr lang="fr-FR" altLang="fr-FR" dirty="0" smtClean="0"/>
+              <a:t>2017 Progressive Web</a:t>
+            </a:r>
+          </a:p>
+          <a:p>
+            <a:r>
+              <a:rPr lang="fr-FR" altLang="fr-FR" dirty="0" err="1" smtClean="0"/>
+              <a:t>Angular</a:t>
+            </a:r>
+            <a:r>
+              <a:rPr lang="fr-FR" altLang="fr-FR" dirty="0" smtClean="0"/>
+              <a:t> 6 : 2018 </a:t>
+            </a:r>
+            <a:r>
+              <a:rPr lang="fr-FR" altLang="fr-FR" dirty="0" err="1" smtClean="0"/>
+              <a:t>React</a:t>
+            </a:r>
+            <a:endParaRPr lang="fr-FR" altLang="fr-FR" dirty="0"/>
+          </a:p>
+          <a:p>
             <a:endParaRPr lang="fr-FR" altLang="fr-FR" dirty="0" smtClean="0"/>
           </a:p>
           <a:p>
@@ -6157,33 +5917,71 @@
           <a:lstStyle/>
           <a:p>
             <a:r>
-              <a:rPr lang="fr-FR" altLang="fr-FR" smtClean="0"/>
+              <a:rPr lang="fr-FR" altLang="fr-FR" dirty="0" smtClean="0"/>
+              <a:t>Ne pas confondre </a:t>
+            </a:r>
+            <a:r>
+              <a:rPr lang="fr-FR" altLang="fr-FR" dirty="0" err="1" smtClean="0"/>
+              <a:t>Angular</a:t>
+            </a:r>
+            <a:r>
+              <a:rPr lang="fr-FR" altLang="fr-FR" dirty="0" smtClean="0"/>
+              <a:t> JS et </a:t>
+            </a:r>
+            <a:r>
+              <a:rPr lang="fr-FR" altLang="fr-FR" dirty="0" err="1" smtClean="0"/>
+              <a:t>Angular</a:t>
+            </a:r>
+            <a:r>
+              <a:rPr lang="fr-FR" altLang="fr-FR" dirty="0" smtClean="0"/>
+              <a:t> 2+</a:t>
+            </a:r>
+          </a:p>
+          <a:p>
+            <a:r>
+              <a:rPr lang="fr-FR" altLang="fr-FR" dirty="0" smtClean="0"/>
               <a:t>Framework JavaScript libre et open-source développé par Google.</a:t>
             </a:r>
           </a:p>
           <a:p>
             <a:r>
-              <a:rPr lang="fr-FR" altLang="fr-FR" smtClean="0"/>
+              <a:rPr lang="fr-FR" altLang="fr-FR" dirty="0" smtClean="0"/>
               <a:t>Fondé sur l’extension du langage HTML par de nouvelles balises et attributs pour aboutir à une définition déclarative des pages web</a:t>
             </a:r>
           </a:p>
           <a:p>
             <a:r>
-              <a:rPr lang="fr-FR" altLang="fr-FR" smtClean="0"/>
-              <a:t>Implémente le Design Pattern MVC</a:t>
+              <a:rPr lang="fr-FR" altLang="fr-FR" dirty="0" smtClean="0"/>
+              <a:t>Implémente le Design Pattern MVVM</a:t>
             </a:r>
           </a:p>
           <a:p>
             <a:pPr lvl="1"/>
             <a:r>
-              <a:rPr lang="fr-FR" altLang="fr-FR" smtClean="0"/>
-              <a:t>Model View Controller</a:t>
+              <a:rPr lang="fr-FR" altLang="fr-FR" dirty="0" smtClean="0"/>
+              <a:t>Model </a:t>
+            </a:r>
+            <a:r>
+              <a:rPr lang="fr-FR" altLang="fr-FR" dirty="0" err="1" smtClean="0"/>
+              <a:t>View</a:t>
+            </a:r>
+            <a:r>
+              <a:rPr lang="fr-FR" altLang="fr-FR" dirty="0" smtClean="0"/>
+              <a:t> </a:t>
+            </a:r>
+            <a:r>
+              <a:rPr lang="fr-FR" altLang="fr-FR" dirty="0" err="1" smtClean="0"/>
+              <a:t>View’s</a:t>
+            </a:r>
+            <a:r>
+              <a:rPr lang="fr-FR" altLang="fr-FR" dirty="0" smtClean="0"/>
+              <a:t> Model</a:t>
             </a:r>
           </a:p>
           <a:p>
             <a:pPr lvl="1"/>
             <a:r>
-              <a:rPr lang="fr-FR" altLang="fr-FR" smtClean="0"/>
+              <a:rPr lang="fr-FR" altLang="fr-FR" dirty="0" smtClean="0"/>
               <a:t>Coté JS (client)</a:t>
             </a:r>
           </a:p>
@@ -6229,1273 +6027,6 @@
 </file>
 
 <file path=ppt/slides/slide5.xml><?xml version="1.0" encoding="utf-8"?>
-<p:sld xmlns:a="http://schemas.openxmlformats.org/drawingml/2006/main" xmlns:r="http://schemas.openxmlformats.org/officeDocument/2006/relationships" xmlns:p="http://schemas.openxmlformats.org/presentationml/2006/main">
-  <p:cSld>
-    <p:spTree>
-      <p:nvGrpSpPr>
-        <p:cNvPr id="1" name=""/>
-        <p:cNvGrpSpPr/>
-        <p:nvPr/>
-      </p:nvGrpSpPr>
-      <p:grpSpPr>
-        <a:xfrm>
-          <a:off x="0" y="0"/>
-          <a:ext cx="0" cy="0"/>
-          <a:chOff x="0" y="0"/>
-          <a:chExt cx="0" cy="0"/>
-        </a:xfrm>
-      </p:grpSpPr>
-      <p:sp>
-        <p:nvSpPr>
-          <p:cNvPr id="269314" name="Rectangle 2"/>
-          <p:cNvSpPr>
-            <a:spLocks noGrp="1" noChangeArrowheads="1"/>
-          </p:cNvSpPr>
-          <p:nvPr>
-            <p:ph type="title"/>
-          </p:nvPr>
-        </p:nvSpPr>
-        <p:spPr/>
-        <p:txBody>
-          <a:bodyPr/>
-          <a:lstStyle/>
-          <a:p>
-            <a:r>
-              <a:rPr lang="fr-FR" altLang="fr-FR" dirty="0"/>
-              <a:t>Architecture </a:t>
-            </a:r>
-            <a:r>
-              <a:rPr lang="fr-FR" altLang="fr-FR" dirty="0" smtClean="0"/>
-              <a:t>MVC</a:t>
-            </a:r>
-            <a:endParaRPr lang="fr-FR" altLang="fr-FR" dirty="0"/>
-          </a:p>
-        </p:txBody>
-      </p:sp>
-      <p:sp>
-        <p:nvSpPr>
-          <p:cNvPr id="269320" name="AutoShape 8"/>
-          <p:cNvSpPr>
-            <a:spLocks noChangeArrowheads="1"/>
-          </p:cNvSpPr>
-          <p:nvPr/>
-        </p:nvSpPr>
-        <p:spPr bwMode="gray">
-          <a:xfrm>
-            <a:off x="7407275" y="2035175"/>
-            <a:ext cx="914400" cy="609600"/>
-          </a:xfrm>
-          <a:prstGeom prst="flowChartMagneticDisk">
-            <a:avLst/>
-          </a:prstGeom>
-          <a:solidFill>
-            <a:schemeClr val="accent1"/>
-          </a:solidFill>
-          <a:ln w="12700">
-            <a:solidFill>
-              <a:schemeClr val="tx1"/>
-            </a:solidFill>
-            <a:round/>
-            <a:headEnd/>
-            <a:tailEnd/>
-          </a:ln>
-          <a:effectLst/>
-          <a:extLst>
-            <a:ext uri="{AF507438-7753-43E0-B8FC-AC1667EBCBE1}">
-              <a14:hiddenEffects xmlns:a14="http://schemas.microsoft.com/office/drawing/2010/main">
-                <a:effectLst>
-                  <a:outerShdw dist="35921" dir="2700000" algn="ctr" rotWithShape="0">
-                    <a:schemeClr val="bg2"/>
-                  </a:outerShdw>
-                </a:effectLst>
-              </a14:hiddenEffects>
-            </a:ext>
-          </a:extLst>
-        </p:spPr>
-        <p:txBody>
-          <a:bodyPr wrap="none" anchor="ctr">
-            <a:spAutoFit/>
-          </a:bodyPr>
-          <a:lstStyle/>
-          <a:p>
-            <a:endParaRPr lang="fr-FR"/>
-          </a:p>
-        </p:txBody>
-      </p:sp>
-      <p:sp>
-        <p:nvSpPr>
-          <p:cNvPr id="269327" name="Text Box 15"/>
-          <p:cNvSpPr txBox="1">
-            <a:spLocks noChangeArrowheads="1"/>
-          </p:cNvSpPr>
-          <p:nvPr/>
-        </p:nvSpPr>
-        <p:spPr bwMode="gray">
-          <a:xfrm>
-            <a:off x="7332663" y="2801938"/>
-            <a:ext cx="1965603" cy="830997"/>
-          </a:xfrm>
-          <a:prstGeom prst="rect">
-            <a:avLst/>
-          </a:prstGeom>
-          <a:noFill/>
-          <a:ln>
-            <a:noFill/>
-          </a:ln>
-          <a:effectLst/>
-          <a:extLst>
-            <a:ext uri="{909E8E84-426E-40DD-AFC4-6F175D3DCCD1}">
-              <a14:hiddenFill xmlns:a14="http://schemas.microsoft.com/office/drawing/2010/main">
-                <a:solidFill>
-                  <a:schemeClr val="accent1"/>
-                </a:solidFill>
-              </a14:hiddenFill>
-            </a:ext>
-            <a:ext uri="{91240B29-F687-4F45-9708-019B960494DF}">
-              <a14:hiddenLine xmlns:a14="http://schemas.microsoft.com/office/drawing/2010/main" w="12700">
-                <a:solidFill>
-                  <a:schemeClr val="tx1"/>
-                </a:solidFill>
-                <a:miter lim="800000"/>
-                <a:headEnd/>
-                <a:tailEnd/>
-              </a14:hiddenLine>
-            </a:ext>
-            <a:ext uri="{AF507438-7753-43E0-B8FC-AC1667EBCBE1}">
-              <a14:hiddenEffects xmlns:a14="http://schemas.microsoft.com/office/drawing/2010/main">
-                <a:effectLst>
-                  <a:outerShdw dist="35921" dir="2700000" algn="ctr" rotWithShape="0">
-                    <a:schemeClr val="bg2"/>
-                  </a:outerShdw>
-                </a:effectLst>
-              </a14:hiddenEffects>
-            </a:ext>
-          </a:extLst>
-        </p:spPr>
-        <p:txBody>
-          <a:bodyPr wrap="none">
-            <a:spAutoFit/>
-          </a:bodyPr>
-          <a:lstStyle/>
-          <a:p>
-            <a:r>
-              <a:rPr lang="en-GB" altLang="fr-FR" dirty="0" smtClean="0"/>
-              <a:t>WWW</a:t>
-            </a:r>
-          </a:p>
-          <a:p>
-            <a:r>
-              <a:rPr lang="en-GB" altLang="fr-FR" dirty="0" err="1" smtClean="0"/>
-              <a:t>DataSources</a:t>
-            </a:r>
-            <a:endParaRPr lang="en-GB" altLang="fr-FR" dirty="0"/>
-          </a:p>
-        </p:txBody>
-      </p:sp>
-      <p:sp>
-        <p:nvSpPr>
-          <p:cNvPr id="269330" name="Line 18"/>
-          <p:cNvSpPr>
-            <a:spLocks noChangeShapeType="1"/>
-          </p:cNvSpPr>
-          <p:nvPr/>
-        </p:nvSpPr>
-        <p:spPr bwMode="gray">
-          <a:xfrm>
-            <a:off x="6524625" y="2379663"/>
-            <a:ext cx="903288" cy="11112"/>
-          </a:xfrm>
-          <a:prstGeom prst="line">
-            <a:avLst/>
-          </a:prstGeom>
-          <a:noFill/>
-          <a:ln w="12700">
-            <a:solidFill>
-              <a:schemeClr val="tx1"/>
-            </a:solidFill>
-            <a:round/>
-            <a:headEnd type="triangle" w="med" len="med"/>
-            <a:tailEnd type="triangle" w="med" len="med"/>
-          </a:ln>
-          <a:effectLst/>
-          <a:extLst>
-            <a:ext uri="{909E8E84-426E-40DD-AFC4-6F175D3DCCD1}">
-              <a14:hiddenFill xmlns:a14="http://schemas.microsoft.com/office/drawing/2010/main">
-                <a:noFill/>
-              </a14:hiddenFill>
-            </a:ext>
-            <a:ext uri="{AF507438-7753-43E0-B8FC-AC1667EBCBE1}">
-              <a14:hiddenEffects xmlns:a14="http://schemas.microsoft.com/office/drawing/2010/main">
-                <a:effectLst>
-                  <a:outerShdw dist="35921" dir="2700000" algn="ctr" rotWithShape="0">
-                    <a:schemeClr val="bg2"/>
-                  </a:outerShdw>
-                </a:effectLst>
-              </a14:hiddenEffects>
-            </a:ext>
-          </a:extLst>
-        </p:spPr>
-        <p:txBody>
-          <a:bodyPr>
-            <a:spAutoFit/>
-          </a:bodyPr>
-          <a:lstStyle/>
-          <a:p>
-            <a:endParaRPr lang="fr-FR"/>
-          </a:p>
-        </p:txBody>
-      </p:sp>
-      <p:sp>
-        <p:nvSpPr>
-          <p:cNvPr id="269335" name="Rectangle 23"/>
-          <p:cNvSpPr>
-            <a:spLocks noChangeArrowheads="1"/>
-          </p:cNvSpPr>
-          <p:nvPr/>
-        </p:nvSpPr>
-        <p:spPr bwMode="gray">
-          <a:xfrm>
-            <a:off x="2062163" y="1389063"/>
-            <a:ext cx="4497387" cy="4259262"/>
-          </a:xfrm>
-          <a:prstGeom prst="rect">
-            <a:avLst/>
-          </a:prstGeom>
-          <a:solidFill>
-            <a:schemeClr val="bg1"/>
-          </a:solidFill>
-          <a:ln w="12700">
-            <a:solidFill>
-              <a:schemeClr val="tx1"/>
-            </a:solidFill>
-            <a:miter lim="800000"/>
-            <a:headEnd/>
-            <a:tailEnd/>
-          </a:ln>
-          <a:effectLst/>
-          <a:extLst>
-            <a:ext uri="{AF507438-7753-43E0-B8FC-AC1667EBCBE1}">
-              <a14:hiddenEffects xmlns:a14="http://schemas.microsoft.com/office/drawing/2010/main">
-                <a:effectLst>
-                  <a:outerShdw dist="35921" dir="2700000" algn="ctr" rotWithShape="0">
-                    <a:schemeClr val="bg2"/>
-                  </a:outerShdw>
-                </a:effectLst>
-              </a14:hiddenEffects>
-            </a:ext>
-          </a:extLst>
-        </p:spPr>
-        <p:txBody>
-          <a:bodyPr anchor="ctr">
-            <a:spAutoFit/>
-          </a:bodyPr>
-          <a:lstStyle/>
-          <a:p>
-            <a:endParaRPr lang="fr-FR"/>
-          </a:p>
-        </p:txBody>
-      </p:sp>
-      <p:sp>
-        <p:nvSpPr>
-          <p:cNvPr id="269316" name="Oval 4"/>
-          <p:cNvSpPr>
-            <a:spLocks noChangeArrowheads="1"/>
-          </p:cNvSpPr>
-          <p:nvPr/>
-        </p:nvSpPr>
-        <p:spPr bwMode="gray">
-          <a:xfrm>
-            <a:off x="2185988" y="1576388"/>
-            <a:ext cx="1703387" cy="1641475"/>
-          </a:xfrm>
-          <a:prstGeom prst="ellipse">
-            <a:avLst/>
-          </a:prstGeom>
-          <a:solidFill>
-            <a:schemeClr val="accent1"/>
-          </a:solidFill>
-          <a:ln w="12700">
-            <a:solidFill>
-              <a:schemeClr val="tx1"/>
-            </a:solidFill>
-            <a:round/>
-            <a:headEnd/>
-            <a:tailEnd/>
-          </a:ln>
-          <a:effectLst/>
-          <a:extLst>
-            <a:ext uri="{AF507438-7753-43E0-B8FC-AC1667EBCBE1}">
-              <a14:hiddenEffects xmlns:a14="http://schemas.microsoft.com/office/drawing/2010/main">
-                <a:effectLst>
-                  <a:outerShdw dist="35921" dir="2700000" algn="ctr" rotWithShape="0">
-                    <a:schemeClr val="bg2"/>
-                  </a:outerShdw>
-                </a:effectLst>
-              </a14:hiddenEffects>
-            </a:ext>
-          </a:extLst>
-        </p:spPr>
-        <p:txBody>
-          <a:bodyPr wrap="none" anchor="ctr">
-            <a:spAutoFit/>
-          </a:bodyPr>
-          <a:lstStyle/>
-          <a:p>
-            <a:endParaRPr lang="fr-FR"/>
-          </a:p>
-        </p:txBody>
-      </p:sp>
-      <p:sp>
-        <p:nvSpPr>
-          <p:cNvPr id="269317" name="Oval 5"/>
-          <p:cNvSpPr>
-            <a:spLocks noChangeArrowheads="1"/>
-          </p:cNvSpPr>
-          <p:nvPr/>
-        </p:nvSpPr>
-        <p:spPr bwMode="gray">
-          <a:xfrm>
-            <a:off x="2171700" y="3784600"/>
-            <a:ext cx="1703388" cy="1641475"/>
-          </a:xfrm>
-          <a:prstGeom prst="ellipse">
-            <a:avLst/>
-          </a:prstGeom>
-          <a:solidFill>
-            <a:srgbClr val="CCECFF"/>
-          </a:solidFill>
-          <a:ln w="12700">
-            <a:solidFill>
-              <a:schemeClr val="tx1"/>
-            </a:solidFill>
-            <a:round/>
-            <a:headEnd/>
-            <a:tailEnd/>
-          </a:ln>
-          <a:effectLst/>
-          <a:extLst>
-            <a:ext uri="{AF507438-7753-43E0-B8FC-AC1667EBCBE1}">
-              <a14:hiddenEffects xmlns:a14="http://schemas.microsoft.com/office/drawing/2010/main">
-                <a:effectLst>
-                  <a:outerShdw dist="35921" dir="2700000" algn="ctr" rotWithShape="0">
-                    <a:schemeClr val="bg2"/>
-                  </a:outerShdw>
-                </a:effectLst>
-              </a14:hiddenEffects>
-            </a:ext>
-          </a:extLst>
-        </p:spPr>
-        <p:txBody>
-          <a:bodyPr wrap="none" anchor="ctr">
-            <a:spAutoFit/>
-          </a:bodyPr>
-          <a:lstStyle/>
-          <a:p>
-            <a:endParaRPr lang="fr-FR"/>
-          </a:p>
-        </p:txBody>
-      </p:sp>
-      <p:sp>
-        <p:nvSpPr>
-          <p:cNvPr id="269318" name="Oval 6"/>
-          <p:cNvSpPr>
-            <a:spLocks noChangeArrowheads="1"/>
-          </p:cNvSpPr>
-          <p:nvPr/>
-        </p:nvSpPr>
-        <p:spPr bwMode="gray">
-          <a:xfrm>
-            <a:off x="4648200" y="1576388"/>
-            <a:ext cx="1703388" cy="1641475"/>
-          </a:xfrm>
-          <a:prstGeom prst="ellipse">
-            <a:avLst/>
-          </a:prstGeom>
-          <a:solidFill>
-            <a:schemeClr val="hlink"/>
-          </a:solidFill>
-          <a:ln w="12700">
-            <a:solidFill>
-              <a:schemeClr val="tx1"/>
-            </a:solidFill>
-            <a:round/>
-            <a:headEnd/>
-            <a:tailEnd/>
-          </a:ln>
-          <a:effectLst/>
-          <a:extLst>
-            <a:ext uri="{AF507438-7753-43E0-B8FC-AC1667EBCBE1}">
-              <a14:hiddenEffects xmlns:a14="http://schemas.microsoft.com/office/drawing/2010/main">
-                <a:effectLst>
-                  <a:outerShdw dist="35921" dir="2700000" algn="ctr" rotWithShape="0">
-                    <a:schemeClr val="bg2"/>
-                  </a:outerShdw>
-                </a:effectLst>
-              </a14:hiddenEffects>
-            </a:ext>
-          </a:extLst>
-        </p:spPr>
-        <p:txBody>
-          <a:bodyPr wrap="none" anchor="ctr">
-            <a:spAutoFit/>
-          </a:bodyPr>
-          <a:lstStyle/>
-          <a:p>
-            <a:endParaRPr lang="fr-FR"/>
-          </a:p>
-        </p:txBody>
-      </p:sp>
-      <p:sp>
-        <p:nvSpPr>
-          <p:cNvPr id="269321" name="Text Box 9"/>
-          <p:cNvSpPr txBox="1">
-            <a:spLocks noChangeArrowheads="1"/>
-          </p:cNvSpPr>
-          <p:nvPr/>
-        </p:nvSpPr>
-        <p:spPr bwMode="gray">
-          <a:xfrm>
-            <a:off x="2509838" y="1785938"/>
-            <a:ext cx="1709122" cy="830997"/>
-          </a:xfrm>
-          <a:prstGeom prst="rect">
-            <a:avLst/>
-          </a:prstGeom>
-          <a:noFill/>
-          <a:ln>
-            <a:noFill/>
-          </a:ln>
-          <a:effectLst/>
-          <a:extLst>
-            <a:ext uri="{909E8E84-426E-40DD-AFC4-6F175D3DCCD1}">
-              <a14:hiddenFill xmlns:a14="http://schemas.microsoft.com/office/drawing/2010/main">
-                <a:solidFill>
-                  <a:schemeClr val="accent1"/>
-                </a:solidFill>
-              </a14:hiddenFill>
-            </a:ext>
-            <a:ext uri="{91240B29-F687-4F45-9708-019B960494DF}">
-              <a14:hiddenLine xmlns:a14="http://schemas.microsoft.com/office/drawing/2010/main" w="12700">
-                <a:solidFill>
-                  <a:schemeClr val="tx1"/>
-                </a:solidFill>
-                <a:miter lim="800000"/>
-                <a:headEnd/>
-                <a:tailEnd/>
-              </a14:hiddenLine>
-            </a:ext>
-            <a:ext uri="{AF507438-7753-43E0-B8FC-AC1667EBCBE1}">
-              <a14:hiddenEffects xmlns:a14="http://schemas.microsoft.com/office/drawing/2010/main">
-                <a:effectLst>
-                  <a:outerShdw dist="35921" dir="2700000" algn="ctr" rotWithShape="0">
-                    <a:schemeClr val="bg2"/>
-                  </a:outerShdw>
-                </a:effectLst>
-              </a14:hiddenEffects>
-            </a:ext>
-          </a:extLst>
-        </p:spPr>
-        <p:txBody>
-          <a:bodyPr wrap="none">
-            <a:spAutoFit/>
-          </a:bodyPr>
-          <a:lstStyle/>
-          <a:p>
-            <a:r>
-              <a:rPr lang="en-GB" altLang="fr-FR" dirty="0" err="1"/>
-              <a:t>Contr</a:t>
-            </a:r>
-            <a:r>
-              <a:rPr lang="fr-FR" altLang="fr-FR" dirty="0"/>
-              <a:t>ô</a:t>
-            </a:r>
-            <a:r>
-              <a:rPr lang="en-GB" altLang="fr-FR" dirty="0"/>
-              <a:t>le</a:t>
-            </a:r>
-            <a:r>
-              <a:rPr lang="fr-FR" altLang="fr-FR" dirty="0"/>
-              <a:t>u</a:t>
-            </a:r>
-            <a:r>
-              <a:rPr lang="en-GB" altLang="fr-FR" dirty="0"/>
-              <a:t>r </a:t>
-            </a:r>
-          </a:p>
-          <a:p>
-            <a:r>
-              <a:rPr lang="en-GB" altLang="fr-FR" dirty="0"/>
-              <a:t> </a:t>
-            </a:r>
-          </a:p>
-        </p:txBody>
-      </p:sp>
-      <p:sp>
-        <p:nvSpPr>
-          <p:cNvPr id="269322" name="Text Box 10"/>
-          <p:cNvSpPr txBox="1">
-            <a:spLocks noChangeArrowheads="1"/>
-          </p:cNvSpPr>
-          <p:nvPr/>
-        </p:nvSpPr>
-        <p:spPr bwMode="gray">
-          <a:xfrm>
-            <a:off x="2162175" y="2371725"/>
-            <a:ext cx="1689100" cy="428625"/>
-          </a:xfrm>
-          <a:prstGeom prst="rect">
-            <a:avLst/>
-          </a:prstGeom>
-          <a:noFill/>
-          <a:ln>
-            <a:noFill/>
-          </a:ln>
-          <a:effectLst/>
-          <a:extLst>
-            <a:ext uri="{909E8E84-426E-40DD-AFC4-6F175D3DCCD1}">
-              <a14:hiddenFill xmlns:a14="http://schemas.microsoft.com/office/drawing/2010/main">
-                <a:solidFill>
-                  <a:schemeClr val="accent1"/>
-                </a:solidFill>
-              </a14:hiddenFill>
-            </a:ext>
-            <a:ext uri="{91240B29-F687-4F45-9708-019B960494DF}">
-              <a14:hiddenLine xmlns:a14="http://schemas.microsoft.com/office/drawing/2010/main" w="12700">
-                <a:solidFill>
-                  <a:schemeClr val="tx1"/>
-                </a:solidFill>
-                <a:miter lim="800000"/>
-                <a:headEnd/>
-                <a:tailEnd/>
-              </a14:hiddenLine>
-            </a:ext>
-            <a:ext uri="{AF507438-7753-43E0-B8FC-AC1667EBCBE1}">
-              <a14:hiddenEffects xmlns:a14="http://schemas.microsoft.com/office/drawing/2010/main">
-                <a:effectLst>
-                  <a:outerShdw dist="35921" dir="2700000" algn="ctr" rotWithShape="0">
-                    <a:schemeClr val="bg2"/>
-                  </a:outerShdw>
-                </a:effectLst>
-              </a14:hiddenEffects>
-            </a:ext>
-          </a:extLst>
-        </p:spPr>
-        <p:txBody>
-          <a:bodyPr wrap="none">
-            <a:spAutoFit/>
-          </a:bodyPr>
-          <a:lstStyle/>
-          <a:p>
-            <a:r>
-              <a:rPr lang="fr-FR" altLang="fr-FR" sz="1100"/>
-              <a:t>Traitement des données</a:t>
-            </a:r>
-            <a:endParaRPr lang="en-GB" altLang="fr-FR" sz="1100"/>
-          </a:p>
-          <a:p>
-            <a:r>
-              <a:rPr lang="fr-FR" altLang="fr-FR" sz="1100"/>
-              <a:t>V</a:t>
-            </a:r>
-            <a:r>
-              <a:rPr lang="en-GB" altLang="fr-FR" sz="1100"/>
-              <a:t>alidation</a:t>
-            </a:r>
-            <a:r>
-              <a:rPr lang="fr-FR" altLang="fr-FR" sz="1100"/>
-              <a:t> des données</a:t>
-            </a:r>
-            <a:endParaRPr lang="en-GB" altLang="fr-FR" sz="1100"/>
-          </a:p>
-        </p:txBody>
-      </p:sp>
-      <p:sp>
-        <p:nvSpPr>
-          <p:cNvPr id="269323" name="Text Box 11"/>
-          <p:cNvSpPr txBox="1">
-            <a:spLocks noChangeArrowheads="1"/>
-          </p:cNvSpPr>
-          <p:nvPr/>
-        </p:nvSpPr>
-        <p:spPr bwMode="gray">
-          <a:xfrm>
-            <a:off x="5156200" y="1785938"/>
-            <a:ext cx="765175" cy="304800"/>
-          </a:xfrm>
-          <a:prstGeom prst="rect">
-            <a:avLst/>
-          </a:prstGeom>
-          <a:noFill/>
-          <a:ln>
-            <a:noFill/>
-          </a:ln>
-          <a:effectLst/>
-          <a:extLst>
-            <a:ext uri="{909E8E84-426E-40DD-AFC4-6F175D3DCCD1}">
-              <a14:hiddenFill xmlns:a14="http://schemas.microsoft.com/office/drawing/2010/main">
-                <a:solidFill>
-                  <a:schemeClr val="accent1"/>
-                </a:solidFill>
-              </a14:hiddenFill>
-            </a:ext>
-            <a:ext uri="{91240B29-F687-4F45-9708-019B960494DF}">
-              <a14:hiddenLine xmlns:a14="http://schemas.microsoft.com/office/drawing/2010/main" w="12700">
-                <a:solidFill>
-                  <a:schemeClr val="tx1"/>
-                </a:solidFill>
-                <a:miter lim="800000"/>
-                <a:headEnd/>
-                <a:tailEnd/>
-              </a14:hiddenLine>
-            </a:ext>
-            <a:ext uri="{AF507438-7753-43E0-B8FC-AC1667EBCBE1}">
-              <a14:hiddenEffects xmlns:a14="http://schemas.microsoft.com/office/drawing/2010/main">
-                <a:effectLst>
-                  <a:outerShdw dist="35921" dir="2700000" algn="ctr" rotWithShape="0">
-                    <a:schemeClr val="bg2"/>
-                  </a:outerShdw>
-                </a:effectLst>
-              </a14:hiddenEffects>
-            </a:ext>
-          </a:extLst>
-        </p:spPr>
-        <p:txBody>
-          <a:bodyPr wrap="none">
-            <a:spAutoFit/>
-          </a:bodyPr>
-          <a:lstStyle/>
-          <a:p>
-            <a:r>
-              <a:rPr lang="en-GB" altLang="fr-FR"/>
-              <a:t>Mod</a:t>
-            </a:r>
-            <a:r>
-              <a:rPr lang="fr-FR" altLang="fr-FR"/>
-              <a:t>è</a:t>
-            </a:r>
-            <a:r>
-              <a:rPr lang="en-GB" altLang="fr-FR"/>
-              <a:t>l</a:t>
-            </a:r>
-            <a:r>
-              <a:rPr lang="fr-FR" altLang="fr-FR"/>
-              <a:t>e</a:t>
-            </a:r>
-            <a:endParaRPr lang="en-GB" altLang="fr-FR"/>
-          </a:p>
-        </p:txBody>
-      </p:sp>
-      <p:sp>
-        <p:nvSpPr>
-          <p:cNvPr id="269324" name="Text Box 12"/>
-          <p:cNvSpPr txBox="1">
-            <a:spLocks noChangeArrowheads="1"/>
-          </p:cNvSpPr>
-          <p:nvPr/>
-        </p:nvSpPr>
-        <p:spPr bwMode="gray">
-          <a:xfrm>
-            <a:off x="5027613" y="2298700"/>
-            <a:ext cx="2008187" cy="639763"/>
-          </a:xfrm>
-          <a:prstGeom prst="rect">
-            <a:avLst/>
-          </a:prstGeom>
-          <a:noFill/>
-          <a:ln>
-            <a:noFill/>
-          </a:ln>
-          <a:effectLst/>
-          <a:extLst>
-            <a:ext uri="{909E8E84-426E-40DD-AFC4-6F175D3DCCD1}">
-              <a14:hiddenFill xmlns:a14="http://schemas.microsoft.com/office/drawing/2010/main">
-                <a:solidFill>
-                  <a:schemeClr val="accent1"/>
-                </a:solidFill>
-              </a14:hiddenFill>
-            </a:ext>
-            <a:ext uri="{91240B29-F687-4F45-9708-019B960494DF}">
-              <a14:hiddenLine xmlns:a14="http://schemas.microsoft.com/office/drawing/2010/main" w="12700">
-                <a:solidFill>
-                  <a:schemeClr val="tx1"/>
-                </a:solidFill>
-                <a:miter lim="800000"/>
-                <a:headEnd/>
-                <a:tailEnd/>
-              </a14:hiddenLine>
-            </a:ext>
-            <a:ext uri="{AF507438-7753-43E0-B8FC-AC1667EBCBE1}">
-              <a14:hiddenEffects xmlns:a14="http://schemas.microsoft.com/office/drawing/2010/main">
-                <a:effectLst>
-                  <a:outerShdw dist="35921" dir="2700000" algn="ctr" rotWithShape="0">
-                    <a:schemeClr val="bg2"/>
-                  </a:outerShdw>
-                </a:effectLst>
-              </a14:hiddenEffects>
-            </a:ext>
-          </a:extLst>
-        </p:spPr>
-        <p:txBody>
-          <a:bodyPr>
-            <a:spAutoFit/>
-          </a:bodyPr>
-          <a:lstStyle/>
-          <a:p>
-            <a:r>
-              <a:rPr lang="fr-FR" altLang="fr-FR" sz="1200"/>
-              <a:t>L</a:t>
-            </a:r>
-            <a:r>
-              <a:rPr lang="en-GB" altLang="fr-FR" sz="1200"/>
-              <a:t>ogi</a:t>
-            </a:r>
-            <a:r>
-              <a:rPr lang="fr-FR" altLang="fr-FR" sz="1200"/>
-              <a:t>que métier</a:t>
-            </a:r>
-            <a:endParaRPr lang="en-GB" altLang="fr-FR" sz="1200"/>
-          </a:p>
-          <a:p>
-            <a:r>
-              <a:rPr lang="fr-FR" altLang="fr-FR" sz="1200"/>
-              <a:t>Traitement des </a:t>
-            </a:r>
-          </a:p>
-          <a:p>
-            <a:r>
-              <a:rPr lang="fr-FR" altLang="fr-FR" sz="1200"/>
-              <a:t>données</a:t>
-            </a:r>
-            <a:endParaRPr lang="en-GB" altLang="fr-FR" sz="1200"/>
-          </a:p>
-        </p:txBody>
-      </p:sp>
-      <p:sp>
-        <p:nvSpPr>
-          <p:cNvPr id="269325" name="Text Box 13"/>
-          <p:cNvSpPr txBox="1">
-            <a:spLocks noChangeArrowheads="1"/>
-          </p:cNvSpPr>
-          <p:nvPr/>
-        </p:nvSpPr>
-        <p:spPr bwMode="gray">
-          <a:xfrm>
-            <a:off x="2735263" y="3940175"/>
-            <a:ext cx="721480" cy="461665"/>
-          </a:xfrm>
-          <a:prstGeom prst="rect">
-            <a:avLst/>
-          </a:prstGeom>
-          <a:noFill/>
-          <a:ln>
-            <a:noFill/>
-          </a:ln>
-          <a:effectLst/>
-          <a:extLst>
-            <a:ext uri="{909E8E84-426E-40DD-AFC4-6F175D3DCCD1}">
-              <a14:hiddenFill xmlns:a14="http://schemas.microsoft.com/office/drawing/2010/main">
-                <a:solidFill>
-                  <a:schemeClr val="accent1"/>
-                </a:solidFill>
-              </a14:hiddenFill>
-            </a:ext>
-            <a:ext uri="{91240B29-F687-4F45-9708-019B960494DF}">
-              <a14:hiddenLine xmlns:a14="http://schemas.microsoft.com/office/drawing/2010/main" w="12700">
-                <a:solidFill>
-                  <a:schemeClr val="tx1"/>
-                </a:solidFill>
-                <a:miter lim="800000"/>
-                <a:headEnd/>
-                <a:tailEnd/>
-              </a14:hiddenLine>
-            </a:ext>
-            <a:ext uri="{AF507438-7753-43E0-B8FC-AC1667EBCBE1}">
-              <a14:hiddenEffects xmlns:a14="http://schemas.microsoft.com/office/drawing/2010/main">
-                <a:effectLst>
-                  <a:outerShdw dist="35921" dir="2700000" algn="ctr" rotWithShape="0">
-                    <a:schemeClr val="bg2"/>
-                  </a:outerShdw>
-                </a:effectLst>
-              </a14:hiddenEffects>
-            </a:ext>
-          </a:extLst>
-        </p:spPr>
-        <p:txBody>
-          <a:bodyPr wrap="none">
-            <a:spAutoFit/>
-          </a:bodyPr>
-          <a:lstStyle/>
-          <a:p>
-            <a:r>
-              <a:rPr lang="en-GB" altLang="fr-FR" dirty="0"/>
-              <a:t>V</a:t>
-            </a:r>
-            <a:r>
-              <a:rPr lang="fr-FR" altLang="fr-FR" dirty="0" err="1" smtClean="0"/>
-              <a:t>ue</a:t>
-            </a:r>
-            <a:endParaRPr lang="en-GB" altLang="fr-FR" dirty="0"/>
-          </a:p>
-        </p:txBody>
-      </p:sp>
-      <p:sp>
-        <p:nvSpPr>
-          <p:cNvPr id="269326" name="Text Box 14"/>
-          <p:cNvSpPr txBox="1">
-            <a:spLocks noChangeArrowheads="1"/>
-          </p:cNvSpPr>
-          <p:nvPr/>
-        </p:nvSpPr>
-        <p:spPr bwMode="gray">
-          <a:xfrm>
-            <a:off x="2584450" y="4575175"/>
-            <a:ext cx="1146175" cy="457200"/>
-          </a:xfrm>
-          <a:prstGeom prst="rect">
-            <a:avLst/>
-          </a:prstGeom>
-          <a:noFill/>
-          <a:ln>
-            <a:noFill/>
-          </a:ln>
-          <a:effectLst/>
-          <a:extLst>
-            <a:ext uri="{909E8E84-426E-40DD-AFC4-6F175D3DCCD1}">
-              <a14:hiddenFill xmlns:a14="http://schemas.microsoft.com/office/drawing/2010/main">
-                <a:solidFill>
-                  <a:schemeClr val="accent1"/>
-                </a:solidFill>
-              </a14:hiddenFill>
-            </a:ext>
-            <a:ext uri="{91240B29-F687-4F45-9708-019B960494DF}">
-              <a14:hiddenLine xmlns:a14="http://schemas.microsoft.com/office/drawing/2010/main" w="12700">
-                <a:solidFill>
-                  <a:schemeClr val="tx1"/>
-                </a:solidFill>
-                <a:miter lim="800000"/>
-                <a:headEnd/>
-                <a:tailEnd/>
-              </a14:hiddenLine>
-            </a:ext>
-            <a:ext uri="{AF507438-7753-43E0-B8FC-AC1667EBCBE1}">
-              <a14:hiddenEffects xmlns:a14="http://schemas.microsoft.com/office/drawing/2010/main">
-                <a:effectLst>
-                  <a:outerShdw dist="35921" dir="2700000" algn="ctr" rotWithShape="0">
-                    <a:schemeClr val="bg2"/>
-                  </a:outerShdw>
-                </a:effectLst>
-              </a14:hiddenEffects>
-            </a:ext>
-          </a:extLst>
-        </p:spPr>
-        <p:txBody>
-          <a:bodyPr wrap="none">
-            <a:spAutoFit/>
-          </a:bodyPr>
-          <a:lstStyle/>
-          <a:p>
-            <a:r>
-              <a:rPr lang="fr-FR" altLang="fr-FR" sz="1200"/>
-              <a:t>Gé</a:t>
-            </a:r>
-            <a:r>
-              <a:rPr lang="en-GB" altLang="fr-FR" sz="1200"/>
-              <a:t>n</a:t>
-            </a:r>
-            <a:r>
-              <a:rPr lang="fr-FR" altLang="fr-FR" sz="1200"/>
-              <a:t>é</a:t>
-            </a:r>
-            <a:r>
-              <a:rPr lang="en-GB" altLang="fr-FR" sz="1200"/>
-              <a:t>ration</a:t>
-            </a:r>
-            <a:r>
-              <a:rPr lang="fr-FR" altLang="fr-FR" sz="1200"/>
-              <a:t> de</a:t>
-            </a:r>
-          </a:p>
-          <a:p>
-            <a:r>
-              <a:rPr lang="fr-FR" altLang="fr-FR" sz="1200"/>
-              <a:t>réponse</a:t>
-            </a:r>
-            <a:endParaRPr lang="en-GB" altLang="fr-FR" sz="1200"/>
-          </a:p>
-        </p:txBody>
-      </p:sp>
-      <p:sp>
-        <p:nvSpPr>
-          <p:cNvPr id="269328" name="Line 16"/>
-          <p:cNvSpPr>
-            <a:spLocks noChangeShapeType="1"/>
-          </p:cNvSpPr>
-          <p:nvPr/>
-        </p:nvSpPr>
-        <p:spPr bwMode="gray">
-          <a:xfrm flipV="1">
-            <a:off x="1060450" y="2405063"/>
-            <a:ext cx="1114425" cy="1587"/>
-          </a:xfrm>
-          <a:prstGeom prst="line">
-            <a:avLst/>
-          </a:prstGeom>
-          <a:noFill/>
-          <a:ln w="12700">
-            <a:solidFill>
-              <a:schemeClr val="tx1"/>
-            </a:solidFill>
-            <a:round/>
-            <a:headEnd/>
-            <a:tailEnd type="triangle" w="med" len="med"/>
-          </a:ln>
-          <a:effectLst/>
-          <a:extLst>
-            <a:ext uri="{909E8E84-426E-40DD-AFC4-6F175D3DCCD1}">
-              <a14:hiddenFill xmlns:a14="http://schemas.microsoft.com/office/drawing/2010/main">
-                <a:noFill/>
-              </a14:hiddenFill>
-            </a:ext>
-            <a:ext uri="{AF507438-7753-43E0-B8FC-AC1667EBCBE1}">
-              <a14:hiddenEffects xmlns:a14="http://schemas.microsoft.com/office/drawing/2010/main">
-                <a:effectLst>
-                  <a:outerShdw dist="35921" dir="2700000" algn="ctr" rotWithShape="0">
-                    <a:schemeClr val="bg2"/>
-                  </a:outerShdw>
-                </a:effectLst>
-              </a14:hiddenEffects>
-            </a:ext>
-          </a:extLst>
-        </p:spPr>
-        <p:txBody>
-          <a:bodyPr>
-            <a:spAutoFit/>
-          </a:bodyPr>
-          <a:lstStyle/>
-          <a:p>
-            <a:endParaRPr lang="fr-FR"/>
-          </a:p>
-        </p:txBody>
-      </p:sp>
-      <p:sp>
-        <p:nvSpPr>
-          <p:cNvPr id="269329" name="Line 17"/>
-          <p:cNvSpPr>
-            <a:spLocks noChangeShapeType="1"/>
-          </p:cNvSpPr>
-          <p:nvPr/>
-        </p:nvSpPr>
-        <p:spPr bwMode="gray">
-          <a:xfrm>
-            <a:off x="3890963" y="2403475"/>
-            <a:ext cx="750887" cy="0"/>
-          </a:xfrm>
-          <a:prstGeom prst="line">
-            <a:avLst/>
-          </a:prstGeom>
-          <a:noFill/>
-          <a:ln w="12700">
-            <a:solidFill>
-              <a:schemeClr val="tx1"/>
-            </a:solidFill>
-            <a:round/>
-            <a:headEnd type="triangle" w="med" len="med"/>
-            <a:tailEnd type="triangle" w="med" len="med"/>
-          </a:ln>
-          <a:effectLst/>
-          <a:extLst>
-            <a:ext uri="{909E8E84-426E-40DD-AFC4-6F175D3DCCD1}">
-              <a14:hiddenFill xmlns:a14="http://schemas.microsoft.com/office/drawing/2010/main">
-                <a:noFill/>
-              </a14:hiddenFill>
-            </a:ext>
-            <a:ext uri="{AF507438-7753-43E0-B8FC-AC1667EBCBE1}">
-              <a14:hiddenEffects xmlns:a14="http://schemas.microsoft.com/office/drawing/2010/main">
-                <a:effectLst>
-                  <a:outerShdw dist="35921" dir="2700000" algn="ctr" rotWithShape="0">
-                    <a:schemeClr val="bg2"/>
-                  </a:outerShdw>
-                </a:effectLst>
-              </a14:hiddenEffects>
-            </a:ext>
-          </a:extLst>
-        </p:spPr>
-        <p:txBody>
-          <a:bodyPr>
-            <a:spAutoFit/>
-          </a:bodyPr>
-          <a:lstStyle/>
-          <a:p>
-            <a:endParaRPr lang="fr-FR"/>
-          </a:p>
-        </p:txBody>
-      </p:sp>
-      <p:sp>
-        <p:nvSpPr>
-          <p:cNvPr id="269331" name="Line 19"/>
-          <p:cNvSpPr>
-            <a:spLocks noChangeShapeType="1"/>
-          </p:cNvSpPr>
-          <p:nvPr/>
-        </p:nvSpPr>
-        <p:spPr bwMode="gray">
-          <a:xfrm>
-            <a:off x="3027363" y="3217863"/>
-            <a:ext cx="0" cy="563562"/>
-          </a:xfrm>
-          <a:prstGeom prst="line">
-            <a:avLst/>
-          </a:prstGeom>
-          <a:noFill/>
-          <a:ln w="12700">
-            <a:solidFill>
-              <a:schemeClr val="tx1"/>
-            </a:solidFill>
-            <a:round/>
-            <a:headEnd/>
-            <a:tailEnd type="triangle" w="med" len="med"/>
-          </a:ln>
-          <a:effectLst/>
-          <a:extLst>
-            <a:ext uri="{909E8E84-426E-40DD-AFC4-6F175D3DCCD1}">
-              <a14:hiddenFill xmlns:a14="http://schemas.microsoft.com/office/drawing/2010/main">
-                <a:noFill/>
-              </a14:hiddenFill>
-            </a:ext>
-            <a:ext uri="{AF507438-7753-43E0-B8FC-AC1667EBCBE1}">
-              <a14:hiddenEffects xmlns:a14="http://schemas.microsoft.com/office/drawing/2010/main">
-                <a:effectLst>
-                  <a:outerShdw dist="35921" dir="2700000" algn="ctr" rotWithShape="0">
-                    <a:schemeClr val="bg2"/>
-                  </a:outerShdw>
-                </a:effectLst>
-              </a14:hiddenEffects>
-            </a:ext>
-          </a:extLst>
-        </p:spPr>
-        <p:txBody>
-          <a:bodyPr>
-            <a:spAutoFit/>
-          </a:bodyPr>
-          <a:lstStyle/>
-          <a:p>
-            <a:endParaRPr lang="fr-FR"/>
-          </a:p>
-        </p:txBody>
-      </p:sp>
-      <p:sp>
-        <p:nvSpPr>
-          <p:cNvPr id="269332" name="Line 20"/>
-          <p:cNvSpPr>
-            <a:spLocks noChangeShapeType="1"/>
-          </p:cNvSpPr>
-          <p:nvPr/>
-        </p:nvSpPr>
-        <p:spPr bwMode="gray">
-          <a:xfrm flipH="1">
-            <a:off x="1109663" y="4595813"/>
-            <a:ext cx="1065212" cy="0"/>
-          </a:xfrm>
-          <a:prstGeom prst="line">
-            <a:avLst/>
-          </a:prstGeom>
-          <a:noFill/>
-          <a:ln w="12700">
-            <a:solidFill>
-              <a:schemeClr val="tx1"/>
-            </a:solidFill>
-            <a:round/>
-            <a:headEnd/>
-            <a:tailEnd type="triangle" w="med" len="med"/>
-          </a:ln>
-          <a:effectLst/>
-          <a:extLst>
-            <a:ext uri="{909E8E84-426E-40DD-AFC4-6F175D3DCCD1}">
-              <a14:hiddenFill xmlns:a14="http://schemas.microsoft.com/office/drawing/2010/main">
-                <a:noFill/>
-              </a14:hiddenFill>
-            </a:ext>
-            <a:ext uri="{AF507438-7753-43E0-B8FC-AC1667EBCBE1}">
-              <a14:hiddenEffects xmlns:a14="http://schemas.microsoft.com/office/drawing/2010/main">
-                <a:effectLst>
-                  <a:outerShdw dist="35921" dir="2700000" algn="ctr" rotWithShape="0">
-                    <a:schemeClr val="bg2"/>
-                  </a:outerShdw>
-                </a:effectLst>
-              </a14:hiddenEffects>
-            </a:ext>
-          </a:extLst>
-        </p:spPr>
-        <p:txBody>
-          <a:bodyPr>
-            <a:spAutoFit/>
-          </a:bodyPr>
-          <a:lstStyle/>
-          <a:p>
-            <a:endParaRPr lang="fr-FR"/>
-          </a:p>
-        </p:txBody>
-      </p:sp>
-      <p:sp>
-        <p:nvSpPr>
-          <p:cNvPr id="269333" name="Text Box 21"/>
-          <p:cNvSpPr txBox="1">
-            <a:spLocks noChangeArrowheads="1"/>
-          </p:cNvSpPr>
-          <p:nvPr/>
-        </p:nvSpPr>
-        <p:spPr bwMode="gray">
-          <a:xfrm>
-            <a:off x="1195388" y="2049463"/>
-            <a:ext cx="854075" cy="304800"/>
-          </a:xfrm>
-          <a:prstGeom prst="rect">
-            <a:avLst/>
-          </a:prstGeom>
-          <a:noFill/>
-          <a:ln>
-            <a:noFill/>
-          </a:ln>
-          <a:effectLst/>
-          <a:extLst>
-            <a:ext uri="{909E8E84-426E-40DD-AFC4-6F175D3DCCD1}">
-              <a14:hiddenFill xmlns:a14="http://schemas.microsoft.com/office/drawing/2010/main">
-                <a:solidFill>
-                  <a:schemeClr val="accent1"/>
-                </a:solidFill>
-              </a14:hiddenFill>
-            </a:ext>
-            <a:ext uri="{91240B29-F687-4F45-9708-019B960494DF}">
-              <a14:hiddenLine xmlns:a14="http://schemas.microsoft.com/office/drawing/2010/main" w="12700">
-                <a:solidFill>
-                  <a:schemeClr val="tx1"/>
-                </a:solidFill>
-                <a:miter lim="800000"/>
-                <a:headEnd/>
-                <a:tailEnd/>
-              </a14:hiddenLine>
-            </a:ext>
-            <a:ext uri="{AF507438-7753-43E0-B8FC-AC1667EBCBE1}">
-              <a14:hiddenEffects xmlns:a14="http://schemas.microsoft.com/office/drawing/2010/main">
-                <a:effectLst>
-                  <a:outerShdw dist="35921" dir="2700000" algn="ctr" rotWithShape="0">
-                    <a:schemeClr val="bg2"/>
-                  </a:outerShdw>
-                </a:effectLst>
-              </a14:hiddenEffects>
-            </a:ext>
-          </a:extLst>
-        </p:spPr>
-        <p:txBody>
-          <a:bodyPr wrap="none">
-            <a:spAutoFit/>
-          </a:bodyPr>
-          <a:lstStyle/>
-          <a:p>
-            <a:r>
-              <a:rPr lang="en-GB" altLang="fr-FR"/>
-              <a:t>Requ</a:t>
-            </a:r>
-            <a:r>
-              <a:rPr lang="fr-FR" altLang="fr-FR"/>
-              <a:t>ête</a:t>
-            </a:r>
-            <a:endParaRPr lang="en-GB" altLang="fr-FR"/>
-          </a:p>
-        </p:txBody>
-      </p:sp>
-      <p:sp>
-        <p:nvSpPr>
-          <p:cNvPr id="269334" name="Text Box 22"/>
-          <p:cNvSpPr txBox="1">
-            <a:spLocks noChangeArrowheads="1"/>
-          </p:cNvSpPr>
-          <p:nvPr/>
-        </p:nvSpPr>
-        <p:spPr bwMode="gray">
-          <a:xfrm>
-            <a:off x="1095375" y="4191000"/>
-            <a:ext cx="893763" cy="304800"/>
-          </a:xfrm>
-          <a:prstGeom prst="rect">
-            <a:avLst/>
-          </a:prstGeom>
-          <a:noFill/>
-          <a:ln>
-            <a:noFill/>
-          </a:ln>
-          <a:effectLst/>
-          <a:extLst>
-            <a:ext uri="{909E8E84-426E-40DD-AFC4-6F175D3DCCD1}">
-              <a14:hiddenFill xmlns:a14="http://schemas.microsoft.com/office/drawing/2010/main">
-                <a:solidFill>
-                  <a:schemeClr val="accent1"/>
-                </a:solidFill>
-              </a14:hiddenFill>
-            </a:ext>
-            <a:ext uri="{91240B29-F687-4F45-9708-019B960494DF}">
-              <a14:hiddenLine xmlns:a14="http://schemas.microsoft.com/office/drawing/2010/main" w="12700">
-                <a:solidFill>
-                  <a:schemeClr val="tx1"/>
-                </a:solidFill>
-                <a:miter lim="800000"/>
-                <a:headEnd/>
-                <a:tailEnd/>
-              </a14:hiddenLine>
-            </a:ext>
-            <a:ext uri="{AF507438-7753-43E0-B8FC-AC1667EBCBE1}">
-              <a14:hiddenEffects xmlns:a14="http://schemas.microsoft.com/office/drawing/2010/main">
-                <a:effectLst>
-                  <a:outerShdw dist="35921" dir="2700000" algn="ctr" rotWithShape="0">
-                    <a:schemeClr val="bg2"/>
-                  </a:outerShdw>
-                </a:effectLst>
-              </a14:hiddenEffects>
-            </a:ext>
-          </a:extLst>
-        </p:spPr>
-        <p:txBody>
-          <a:bodyPr wrap="none">
-            <a:spAutoFit/>
-          </a:bodyPr>
-          <a:lstStyle/>
-          <a:p>
-            <a:r>
-              <a:rPr lang="en-GB" altLang="fr-FR"/>
-              <a:t>R</a:t>
-            </a:r>
-            <a:r>
-              <a:rPr lang="fr-FR" altLang="fr-FR"/>
-              <a:t>é</a:t>
-            </a:r>
-            <a:r>
-              <a:rPr lang="en-GB" altLang="fr-FR"/>
-              <a:t>ponse</a:t>
-            </a:r>
-          </a:p>
-        </p:txBody>
-      </p:sp>
-    </p:spTree>
-    <p:extLst>
-      <p:ext uri="{BB962C8B-B14F-4D97-AF65-F5344CB8AC3E}">
-        <p14:creationId xmlns:p14="http://schemas.microsoft.com/office/powerpoint/2010/main" val="141363899"/>
-      </p:ext>
-    </p:extLst>
-  </p:cSld>
-  <p:clrMapOvr>
-    <a:masterClrMapping/>
-  </p:clrMapOvr>
-  <p:timing>
-    <p:tnLst>
-      <p:par>
-        <p:cTn id="1" dur="indefinite" restart="never" nodeType="tmRoot"/>
-      </p:par>
-    </p:tnLst>
-  </p:timing>
-</p:sld>
-</file>
-
-<file path=ppt/slides/slide6.xml><?xml version="1.0" encoding="utf-8"?>
 <p:sld xmlns:a="http://schemas.openxmlformats.org/drawingml/2006/main" xmlns:r="http://schemas.openxmlformats.org/officeDocument/2006/relationships" xmlns:p="http://schemas.openxmlformats.org/presentationml/2006/main">
   <p:cSld>
     <p:spTree>
@@ -7744,7 +6275,7 @@
 </p:sld>
 </file>
 
-<file path=ppt/slides/slide7.xml><?xml version="1.0" encoding="utf-8"?>
+<file path=ppt/slides/slide6.xml><?xml version="1.0" encoding="utf-8"?>
 <p:sld xmlns:a="http://schemas.openxmlformats.org/drawingml/2006/main" xmlns:r="http://schemas.openxmlformats.org/officeDocument/2006/relationships" xmlns:p="http://schemas.openxmlformats.org/presentationml/2006/main">
   <p:cSld>
     <p:spTree>
@@ -8001,180 +6532,7 @@
 </p:sld>
 </file>
 
-<file path=ppt/slides/slide8.xml><?xml version="1.0" encoding="utf-8"?>
-<p:sld xmlns:a="http://schemas.openxmlformats.org/drawingml/2006/main" xmlns:r="http://schemas.openxmlformats.org/officeDocument/2006/relationships" xmlns:p="http://schemas.openxmlformats.org/presentationml/2006/main">
-  <p:cSld>
-    <p:spTree>
-      <p:nvGrpSpPr>
-        <p:cNvPr id="1" name=""/>
-        <p:cNvGrpSpPr/>
-        <p:nvPr/>
-      </p:nvGrpSpPr>
-      <p:grpSpPr>
-        <a:xfrm>
-          <a:off x="0" y="0"/>
-          <a:ext cx="0" cy="0"/>
-          <a:chOff x="0" y="0"/>
-          <a:chExt cx="0" cy="0"/>
-        </a:xfrm>
-      </p:grpSpPr>
-      <p:sp>
-        <p:nvSpPr>
-          <p:cNvPr id="278530" name="Rectangle 2"/>
-          <p:cNvSpPr>
-            <a:spLocks noGrp="1" noChangeArrowheads="1"/>
-          </p:cNvSpPr>
-          <p:nvPr>
-            <p:ph type="title"/>
-          </p:nvPr>
-        </p:nvSpPr>
-        <p:spPr/>
-        <p:txBody>
-          <a:bodyPr/>
-          <a:lstStyle/>
-          <a:p>
-            <a:r>
-              <a:rPr lang="fr-FR" altLang="fr-FR" dirty="0"/>
-              <a:t>Architecture </a:t>
-            </a:r>
-            <a:r>
-              <a:rPr lang="fr-FR" altLang="fr-FR" dirty="0" err="1" smtClean="0"/>
-              <a:t>Angular</a:t>
-            </a:r>
-            <a:r>
-              <a:rPr lang="fr-FR" altLang="fr-FR" dirty="0"/>
-              <a:t>	</a:t>
-            </a:r>
-          </a:p>
-        </p:txBody>
-      </p:sp>
-      <p:sp>
-        <p:nvSpPr>
-          <p:cNvPr id="278531" name="Rectangle 3"/>
-          <p:cNvSpPr>
-            <a:spLocks noGrp="1" noChangeArrowheads="1"/>
-          </p:cNvSpPr>
-          <p:nvPr>
-            <p:ph type="body" idx="1"/>
-          </p:nvPr>
-        </p:nvSpPr>
-        <p:spPr>
-          <a:xfrm>
-            <a:off x="292100" y="1312863"/>
-            <a:ext cx="8599488" cy="4673600"/>
-          </a:xfrm>
-        </p:spPr>
-        <p:txBody>
-          <a:bodyPr/>
-          <a:lstStyle/>
-          <a:p>
-            <a:r>
-              <a:rPr lang="fr-FR" altLang="fr-FR" dirty="0"/>
-              <a:t>Assure la fonctionnalité </a:t>
-            </a:r>
-            <a:r>
-              <a:rPr lang="fr-FR" altLang="fr-FR" dirty="0" smtClean="0"/>
-              <a:t>MVC</a:t>
-            </a:r>
-            <a:endParaRPr lang="fr-FR" altLang="fr-FR" dirty="0"/>
-          </a:p>
-          <a:p>
-            <a:r>
-              <a:rPr lang="fr-FR" altLang="fr-FR" u="sng" dirty="0"/>
-              <a:t>M</a:t>
-            </a:r>
-            <a:r>
-              <a:rPr lang="fr-FR" altLang="fr-FR" dirty="0"/>
-              <a:t>odèle</a:t>
-            </a:r>
-          </a:p>
-          <a:p>
-            <a:pPr lvl="1"/>
-            <a:r>
-              <a:rPr lang="fr-FR" altLang="fr-FR" dirty="0" err="1" smtClean="0"/>
-              <a:t>Angular</a:t>
-            </a:r>
-            <a:r>
-              <a:rPr lang="fr-FR" altLang="fr-FR" dirty="0" smtClean="0"/>
-              <a:t> n’impose </a:t>
-            </a:r>
-            <a:r>
-              <a:rPr lang="fr-FR" altLang="fr-FR" dirty="0"/>
-              <a:t>pas d’implémentation particulière du modèle</a:t>
-            </a:r>
-          </a:p>
-          <a:p>
-            <a:pPr lvl="1"/>
-            <a:r>
-              <a:rPr lang="fr-FR" altLang="fr-FR" dirty="0"/>
-              <a:t>Le développeur est libre de choisir l’implémentation appropriée</a:t>
-            </a:r>
-          </a:p>
-          <a:p>
-            <a:r>
-              <a:rPr lang="fr-FR" altLang="fr-FR" u="sng" dirty="0" smtClean="0"/>
-              <a:t>Vue</a:t>
-            </a:r>
-            <a:endParaRPr lang="fr-FR" altLang="fr-FR" dirty="0"/>
-          </a:p>
-          <a:p>
-            <a:pPr lvl="1"/>
-            <a:r>
-              <a:rPr lang="fr-FR" altLang="fr-FR" dirty="0"/>
-              <a:t>Implémentée à l’aide de </a:t>
-            </a:r>
-            <a:r>
-              <a:rPr lang="fr-FR" altLang="fr-FR" dirty="0" smtClean="0"/>
-              <a:t>HTML</a:t>
-            </a:r>
-            <a:endParaRPr lang="fr-FR" altLang="fr-FR" dirty="0"/>
-          </a:p>
-          <a:p>
-            <a:r>
-              <a:rPr lang="fr-FR" altLang="fr-FR" u="sng" dirty="0" smtClean="0"/>
-              <a:t>C</a:t>
-            </a:r>
-            <a:r>
-              <a:rPr lang="fr-FR" altLang="fr-FR" dirty="0" smtClean="0"/>
-              <a:t>ontrôleur</a:t>
-            </a:r>
-            <a:endParaRPr lang="fr-FR" altLang="fr-FR" dirty="0"/>
-          </a:p>
-          <a:p>
-            <a:pPr lvl="1"/>
-            <a:r>
-              <a:rPr lang="fr-FR" altLang="fr-FR" dirty="0" smtClean="0"/>
-              <a:t>C'est le cœur d'</a:t>
-            </a:r>
-            <a:r>
-              <a:rPr lang="fr-FR" altLang="fr-FR" dirty="0" err="1" smtClean="0"/>
-              <a:t>Angular</a:t>
-            </a:r>
-            <a:endParaRPr lang="fr-FR" altLang="fr-FR" dirty="0"/>
-          </a:p>
-        </p:txBody>
-      </p:sp>
-    </p:spTree>
-    <p:extLst>
-      <p:ext uri="{BB962C8B-B14F-4D97-AF65-F5344CB8AC3E}">
-        <p14:creationId xmlns:p14="http://schemas.microsoft.com/office/powerpoint/2010/main" val="3814451444"/>
-      </p:ext>
-    </p:extLst>
-  </p:cSld>
-  <p:clrMapOvr>
-    <a:masterClrMapping/>
-  </p:clrMapOvr>
-  <p:timing>
-    <p:tnLst>
-      <p:par>
-        <p:cTn id="1" dur="indefinite" restart="never" nodeType="tmRoot"/>
-      </p:par>
-    </p:tnLst>
-  </p:timing>
-</p:sld>
-</file>
-
-<file path=ppt/slides/slide9.xml><?xml version="1.0" encoding="utf-8"?>
+<file path=ppt/slides/slide7.xml><?xml version="1.0" encoding="utf-8"?>
 <p:sld xmlns:a="http://schemas.openxmlformats.org/drawingml/2006/main" xmlns:r="http://schemas.openxmlformats.org/officeDocument/2006/relationships" xmlns:p="http://schemas.openxmlformats.org/presentationml/2006/main">
   <p:cSld>
     <p:spTree>
@@ -8309,6 +6667,342 @@
                   <a:srgbClr val="FFFFFF"/>
                 </a:solidFill>
               </a14:hiddenFill>
+            </a:ext>
+          </a:extLst>
+        </p:spPr>
+      </p:pic>
+    </p:spTree>
+  </p:cSld>
+  <p:clrMapOvr>
+    <a:masterClrMapping/>
+  </p:clrMapOvr>
+  <p:timing>
+    <p:tnLst>
+      <p:par>
+        <p:cTn id="1" dur="indefinite" restart="never" nodeType="tmRoot"/>
+      </p:par>
+    </p:tnLst>
+  </p:timing>
+</p:sld>
+</file>
+
+<file path=ppt/slides/slide8.xml><?xml version="1.0" encoding="utf-8"?>
+<p:sld xmlns:a="http://schemas.openxmlformats.org/drawingml/2006/main" xmlns:r="http://schemas.openxmlformats.org/officeDocument/2006/relationships" xmlns:p="http://schemas.openxmlformats.org/presentationml/2006/main">
+  <p:cSld>
+    <p:spTree>
+      <p:nvGrpSpPr>
+        <p:cNvPr id="1" name=""/>
+        <p:cNvGrpSpPr/>
+        <p:nvPr/>
+      </p:nvGrpSpPr>
+      <p:grpSpPr>
+        <a:xfrm>
+          <a:off x="0" y="0"/>
+          <a:ext cx="0" cy="0"/>
+          <a:chOff x="0" y="0"/>
+          <a:chExt cx="0" cy="0"/>
+        </a:xfrm>
+      </p:grpSpPr>
+      <p:sp>
+        <p:nvSpPr>
+          <p:cNvPr id="8194" name="Titre 1"/>
+          <p:cNvSpPr>
+            <a:spLocks noGrp="1"/>
+          </p:cNvSpPr>
+          <p:nvPr>
+            <p:ph type="title"/>
+          </p:nvPr>
+        </p:nvSpPr>
+        <p:spPr>
+          <a:xfrm>
+            <a:off x="1187450" y="12700"/>
+            <a:ext cx="7829550" cy="1143000"/>
+          </a:xfrm>
+        </p:spPr>
+        <p:txBody>
+          <a:bodyPr/>
+          <a:lstStyle/>
+          <a:p>
+            <a:r>
+              <a:rPr lang="fr-FR" altLang="fr-FR" smtClean="0"/>
+              <a:t>MVW</a:t>
+            </a:r>
+          </a:p>
+        </p:txBody>
+      </p:sp>
+      <p:sp>
+        <p:nvSpPr>
+          <p:cNvPr id="8195" name="Espace réservé du contenu 2"/>
+          <p:cNvSpPr>
+            <a:spLocks noGrp="1"/>
+          </p:cNvSpPr>
+          <p:nvPr>
+            <p:ph idx="1"/>
+          </p:nvPr>
+        </p:nvSpPr>
+        <p:spPr>
+          <a:xfrm>
+            <a:off x="179388" y="1412875"/>
+            <a:ext cx="8766175" cy="5040313"/>
+          </a:xfrm>
+        </p:spPr>
+        <p:txBody>
+          <a:bodyPr/>
+          <a:lstStyle/>
+          <a:p>
+            <a:r>
+              <a:rPr lang="fr-FR" altLang="fr-FR" sz="2400" dirty="0" smtClean="0"/>
+              <a:t>Le client peut être de n'importe quel type</a:t>
+            </a:r>
+          </a:p>
+          <a:p>
+            <a:r>
+              <a:rPr lang="fr-FR" altLang="fr-FR" sz="2400" dirty="0" smtClean="0"/>
+              <a:t>Google appel ce pattern MVW</a:t>
+            </a:r>
+          </a:p>
+          <a:p>
+            <a:pPr lvl="1"/>
+            <a:r>
+              <a:rPr lang="fr-FR" altLang="fr-FR" sz="2000" dirty="0" smtClean="0"/>
+              <a:t>Model </a:t>
+            </a:r>
+            <a:r>
+              <a:rPr lang="fr-FR" altLang="fr-FR" sz="2000" dirty="0" err="1" smtClean="0"/>
+              <a:t>View</a:t>
+            </a:r>
+            <a:r>
+              <a:rPr lang="fr-FR" altLang="fr-FR" sz="2000" dirty="0" smtClean="0"/>
+              <a:t> </a:t>
+            </a:r>
+            <a:r>
+              <a:rPr lang="fr-FR" altLang="fr-FR" sz="2000" dirty="0" err="1" smtClean="0"/>
+              <a:t>Whatever</a:t>
+            </a:r>
+            <a:endParaRPr lang="fr-FR" altLang="fr-FR" sz="2000" dirty="0" smtClean="0"/>
+          </a:p>
+          <a:p>
+            <a:r>
+              <a:rPr lang="fr-FR" altLang="fr-FR" dirty="0" smtClean="0"/>
+              <a:t>Utilisation possible de </a:t>
+            </a:r>
+            <a:r>
+              <a:rPr lang="fr-FR" altLang="fr-FR" dirty="0" err="1" smtClean="0"/>
+              <a:t>Cordova</a:t>
+            </a:r>
+            <a:endParaRPr lang="fr-FR" altLang="fr-FR" dirty="0" smtClean="0"/>
+          </a:p>
+          <a:p>
+            <a:endParaRPr lang="fr-FR" altLang="fr-FR" dirty="0" smtClean="0"/>
+          </a:p>
+        </p:txBody>
+      </p:sp>
+      <p:pic>
+        <p:nvPicPr>
+          <p:cNvPr id="5" name="Picture 2" descr="D:\CVC\Formation\Android\Cordova\src\hello\www\img\logo.png"/>
+          <p:cNvPicPr>
+            <a:picLocks noChangeAspect="1" noChangeArrowheads="1"/>
+          </p:cNvPicPr>
+          <p:nvPr/>
+        </p:nvPicPr>
+        <p:blipFill>
+          <a:blip r:embed="rId2">
+            <a:extLst>
+              <a:ext uri="{28A0092B-C50C-407E-A947-70E740481C1C}">
+                <a14:useLocalDpi xmlns:a14="http://schemas.microsoft.com/office/drawing/2010/main" val="0"/>
+              </a:ext>
+            </a:extLst>
+          </a:blip>
+          <a:srcRect/>
+          <a:stretch>
+            <a:fillRect/>
+          </a:stretch>
+        </p:blipFill>
+        <p:spPr bwMode="auto">
+          <a:xfrm>
+            <a:off x="3275856" y="3717032"/>
+            <a:ext cx="2159000" cy="2540000"/>
+          </a:xfrm>
+          <a:prstGeom prst="rect">
+            <a:avLst/>
+          </a:prstGeom>
+          <a:noFill/>
+          <a:extLst>
+            <a:ext uri="{909E8E84-426E-40DD-AFC4-6F175D3DCCD1}">
+              <a14:hiddenFill xmlns:a14="http://schemas.microsoft.com/office/drawing/2010/main">
+                <a:solidFill>
+                  <a:srgbClr val="FFFFFF"/>
+                </a:solidFill>
+              </a14:hiddenFill>
+            </a:ext>
+          </a:extLst>
+        </p:spPr>
+      </p:pic>
+      <p:pic>
+        <p:nvPicPr>
+          <p:cNvPr id="2" name="Image 1"/>
+          <p:cNvPicPr>
+            <a:picLocks noChangeAspect="1"/>
+          </p:cNvPicPr>
+          <p:nvPr/>
+        </p:nvPicPr>
+        <p:blipFill>
+          <a:blip r:embed="rId3"/>
+          <a:stretch>
+            <a:fillRect/>
+          </a:stretch>
+        </p:blipFill>
+        <p:spPr>
+          <a:xfrm>
+            <a:off x="6503640" y="2636912"/>
+            <a:ext cx="2171700" cy="3162300"/>
+          </a:xfrm>
+          <a:prstGeom prst="rect">
+            <a:avLst/>
+          </a:prstGeom>
+        </p:spPr>
+      </p:pic>
+    </p:spTree>
+  </p:cSld>
+  <p:clrMapOvr>
+    <a:masterClrMapping/>
+  </p:clrMapOvr>
+  <p:timing>
+    <p:tnLst>
+      <p:par>
+        <p:cTn id="1" dur="indefinite" restart="never" nodeType="tmRoot"/>
+      </p:par>
+    </p:tnLst>
+  </p:timing>
+</p:sld>
+</file>
+
+<file path=ppt/slides/slide9.xml><?xml version="1.0" encoding="utf-8"?>
+<p:sld xmlns:a="http://schemas.openxmlformats.org/drawingml/2006/main" xmlns:r="http://schemas.openxmlformats.org/officeDocument/2006/relationships" xmlns:p="http://schemas.openxmlformats.org/presentationml/2006/main">
+  <p:cSld>
+    <p:spTree>
+      <p:nvGrpSpPr>
+        <p:cNvPr id="1" name=""/>
+        <p:cNvGrpSpPr/>
+        <p:nvPr/>
+      </p:nvGrpSpPr>
+      <p:grpSpPr>
+        <a:xfrm>
+          <a:off x="0" y="0"/>
+          <a:ext cx="0" cy="0"/>
+          <a:chOff x="0" y="0"/>
+          <a:chExt cx="0" cy="0"/>
+        </a:xfrm>
+      </p:grpSpPr>
+      <p:sp>
+        <p:nvSpPr>
+          <p:cNvPr id="9218" name="Titre 1"/>
+          <p:cNvSpPr>
+            <a:spLocks noGrp="1"/>
+          </p:cNvSpPr>
+          <p:nvPr>
+            <p:ph type="title"/>
+          </p:nvPr>
+        </p:nvSpPr>
+        <p:spPr>
+          <a:xfrm>
+            <a:off x="1187450" y="12700"/>
+            <a:ext cx="7829550" cy="1143000"/>
+          </a:xfrm>
+        </p:spPr>
+        <p:txBody>
+          <a:bodyPr/>
+          <a:lstStyle/>
+          <a:p>
+            <a:r>
+              <a:rPr lang="fr-FR" altLang="fr-FR" smtClean="0"/>
+              <a:t>MVW</a:t>
+            </a:r>
+          </a:p>
+        </p:txBody>
+      </p:sp>
+      <p:sp>
+        <p:nvSpPr>
+          <p:cNvPr id="9219" name="Espace réservé du contenu 2"/>
+          <p:cNvSpPr>
+            <a:spLocks noGrp="1"/>
+          </p:cNvSpPr>
+          <p:nvPr>
+            <p:ph idx="1"/>
+          </p:nvPr>
+        </p:nvSpPr>
+        <p:spPr>
+          <a:xfrm>
+            <a:off x="179388" y="1412875"/>
+            <a:ext cx="8766175" cy="5040313"/>
+          </a:xfrm>
+        </p:spPr>
+        <p:txBody>
+          <a:bodyPr/>
+          <a:lstStyle/>
+          <a:p>
+            <a:endParaRPr lang="fr-FR" altLang="fr-FR" smtClean="0"/>
+          </a:p>
+        </p:txBody>
+      </p:sp>
+      <p:pic>
+        <p:nvPicPr>
+          <p:cNvPr id="9220" name="Picture 2"/>
+          <p:cNvPicPr>
+            <a:picLocks noChangeAspect="1" noChangeArrowheads="1"/>
+          </p:cNvPicPr>
+          <p:nvPr/>
+        </p:nvPicPr>
+        <p:blipFill>
+          <a:blip r:embed="rId2">
+            <a:extLst>
+              <a:ext uri="{28A0092B-C50C-407E-A947-70E740481C1C}">
+                <a14:useLocalDpi xmlns:a14="http://schemas.microsoft.com/office/drawing/2010/main" val="0"/>
+              </a:ext>
+            </a:extLst>
+          </a:blip>
+          <a:srcRect/>
+          <a:stretch>
+            <a:fillRect/>
+          </a:stretch>
+        </p:blipFill>
+        <p:spPr bwMode="auto">
+          <a:xfrm>
+            <a:off x="1042988" y="1916113"/>
+            <a:ext cx="7540625" cy="4095750"/>
+          </a:xfrm>
+          <a:prstGeom prst="rect">
+            <a:avLst/>
+          </a:prstGeom>
+          <a:noFill/>
+          <a:ln>
+            <a:noFill/>
+          </a:ln>
+          <a:extLst>
+            <a:ext uri="{909E8E84-426E-40DD-AFC4-6F175D3DCCD1}">
+              <a14:hiddenFill xmlns:a14="http://schemas.microsoft.com/office/drawing/2010/main">
+                <a:gradFill rotWithShape="0">
+                  <a:gsLst>
+                    <a:gs pos="0">
+                      <a:schemeClr val="accent1"/>
+                    </a:gs>
+                    <a:gs pos="100000">
+                      <a:schemeClr val="bg1"/>
+                    </a:gs>
+                  </a:gsLst>
+                  <a:lin ang="5400000" scaled="1"/>
+                </a:gradFill>
+              </a14:hiddenFill>
+            </a:ext>
+            <a:ext uri="{91240B29-F687-4F45-9708-019B960494DF}">
+              <a14:hiddenLine xmlns:a14="http://schemas.microsoft.com/office/drawing/2010/main" w="9525">
+                <a:solidFill>
+                  <a:schemeClr val="tx1"/>
+                </a:solidFill>
+                <a:miter lim="800000"/>
+                <a:headEnd/>
+                <a:tailEnd/>
+              </a14:hiddenLine>
             </a:ext>
           </a:extLst>
         </p:spPr>
